--- a/презентация/презентация ИМТ проект.pptx
+++ b/презентация/презентация ИМТ проект.pptx
@@ -12,32 +12,32 @@
     <p:sldId id="261" r:id="rId3"/>
     <p:sldId id="262" r:id="rId4"/>
     <p:sldId id="264" r:id="rId5"/>
-    <p:sldId id="259" r:id="rId6"/>
+    <p:sldId id="298" r:id="rId6"/>
     <p:sldId id="296" r:id="rId7"/>
   </p:sldIdLst>
   <p:sldSz cx="9144000" cy="5143500" type="screen16x9"/>
   <p:notesSz cx="6858000" cy="9144000"/>
   <p:embeddedFontLst>
     <p:embeddedFont>
-      <p:font typeface="Fira Code" panose="020B0809050000020004" pitchFamily="49" charset="0"/>
+      <p:font typeface="Quantico" panose="020B0604020202020204" charset="0"/>
       <p:regular r:id="rId9"/>
       <p:bold r:id="rId10"/>
+      <p:italic r:id="rId11"/>
+      <p:boldItalic r:id="rId12"/>
+    </p:embeddedFont>
+    <p:embeddedFont>
+      <p:font typeface="Fira Code" panose="020B0809050000020004" pitchFamily="49" charset="0"/>
+      <p:regular r:id="rId13"/>
+      <p:bold r:id="rId14"/>
+    </p:embeddedFont>
+    <p:embeddedFont>
+      <p:font typeface="Fira Code Light" panose="020B0809050000020004" pitchFamily="49" charset="0"/>
+      <p:regular r:id="rId15"/>
     </p:embeddedFont>
     <p:embeddedFont>
       <p:font typeface="Source Code Pro" panose="020B0509030403020204" pitchFamily="49" charset="0"/>
-      <p:regular r:id="rId11"/>
-      <p:bold r:id="rId12"/>
-    </p:embeddedFont>
-    <p:embeddedFont>
-      <p:font typeface="Fira Code Light" panose="020B0809050000020004" pitchFamily="49" charset="0"/>
-      <p:regular r:id="rId13"/>
-    </p:embeddedFont>
-    <p:embeddedFont>
-      <p:font typeface="Quantico" panose="020B0604020202020204" charset="0"/>
-      <p:regular r:id="rId14"/>
-      <p:bold r:id="rId15"/>
-      <p:italic r:id="rId16"/>
-      <p:boldItalic r:id="rId17"/>
+      <p:regular r:id="rId16"/>
+      <p:bold r:id="rId17"/>
     </p:embeddedFont>
   </p:embeddedFontLst>
   <p:defaultTextStyle>
@@ -269,6 +269,11 @@
       </a:defRPr>
     </a:lvl9pPr>
   </p:defaultTextStyle>
+  <p:extLst>
+    <p:ext uri="{EFAFB233-063F-42B5-8137-9DF3F51BA10A}">
+      <p15:sldGuideLst xmlns:p15="http://schemas.microsoft.com/office/powerpoint/2012/main"/>
+    </p:ext>
+  </p:extLst>
 </p:presentation>
 </file>
 
@@ -474,7 +479,7 @@
             </a:lvl9pPr>
           </a:lstStyle>
           <a:p>
-            <a:endParaRPr/>
+            <a:endParaRPr dirty="0"/>
           </a:p>
         </p:txBody>
       </p:sp>
@@ -516,9 +521,9 @@
         <a:solidFill>
           <a:srgbClr val="000000"/>
         </a:solidFill>
-        <a:latin typeface="Arial"/>
-        <a:ea typeface="Arial"/>
-        <a:cs typeface="Arial"/>
+        <a:latin typeface="Fira Code" panose="020B0809050000020004" pitchFamily="49" charset="0"/>
+        <a:ea typeface="Fira Code" panose="020B0809050000020004" pitchFamily="49" charset="0"/>
+        <a:cs typeface="Fira Code" panose="020B0809050000020004" pitchFamily="49" charset="0"/>
         <a:sym typeface="Arial"/>
       </a:defRPr>
     </a:lvl1pPr>
@@ -1253,7 +1258,7 @@
     </p:spTree>
     <p:extLst>
       <p:ext uri="{BB962C8B-B14F-4D97-AF65-F5344CB8AC3E}">
-        <p14:creationId xmlns:p14="http://schemas.microsoft.com/office/powerpoint/2010/main" val="3204503273"/>
+        <p14:creationId xmlns:p14="http://schemas.microsoft.com/office/powerpoint/2010/main" val="456290782"/>
       </p:ext>
     </p:extLst>
   </p:cSld>
@@ -1561,7 +1566,11 @@
               </a:spcAft>
               <a:buSzPts val="1200"/>
               <a:buNone/>
-              <a:defRPr sz="1500"/>
+              <a:defRPr sz="1500">
+                <a:latin typeface="Fira Code" panose="020B0809050000020004" pitchFamily="49" charset="0"/>
+                <a:ea typeface="Fira Code" panose="020B0809050000020004" pitchFamily="49" charset="0"/>
+                <a:cs typeface="Fira Code" panose="020B0809050000020004" pitchFamily="49" charset="0"/>
+              </a:defRPr>
             </a:lvl1pPr>
             <a:lvl2pPr lvl="1" algn="ctr">
               <a:lnSpc>
@@ -1677,7 +1686,7 @@
             </a:lvl9pPr>
           </a:lstStyle>
           <a:p>
-            <a:endParaRPr/>
+            <a:endParaRPr dirty="0"/>
           </a:p>
         </p:txBody>
       </p:sp>
@@ -1716,24 +1725,24 @@
               <a:buNone/>
             </a:pPr>
             <a:r>
-              <a:rPr lang="en" sz="1000">
+              <a:rPr lang="en" sz="1000" dirty="0">
                 <a:solidFill>
                   <a:schemeClr val="dk1"/>
                 </a:solidFill>
-                <a:latin typeface="Source Code Pro"/>
-                <a:ea typeface="Source Code Pro"/>
-                <a:cs typeface="Source Code Pro"/>
+                <a:latin typeface="Fira Code" panose="020B0809050000020004" pitchFamily="49" charset="0"/>
+                <a:ea typeface="Fira Code" panose="020B0809050000020004" pitchFamily="49" charset="0"/>
+                <a:cs typeface="Fira Code" panose="020B0809050000020004" pitchFamily="49" charset="0"/>
                 <a:sym typeface="Source Code Pro"/>
               </a:rPr>
               <a:t>1 0 1 1   0 1 1   0 1   1 0 1 1 0 0 1   1 0   1 1 0 1 1   0 1 1   0 1   1 1 0 1 1 0   1 1 0 1 1 1   1 1 0 1 </a:t>
             </a:r>
-            <a:endParaRPr sz="1000">
+            <a:endParaRPr sz="1000" dirty="0">
               <a:solidFill>
                 <a:schemeClr val="dk1"/>
               </a:solidFill>
-              <a:latin typeface="Source Code Pro"/>
-              <a:ea typeface="Source Code Pro"/>
-              <a:cs typeface="Source Code Pro"/>
+              <a:latin typeface="Fira Code" panose="020B0809050000020004" pitchFamily="49" charset="0"/>
+              <a:ea typeface="Fira Code" panose="020B0809050000020004" pitchFamily="49" charset="0"/>
+              <a:cs typeface="Fira Code" panose="020B0809050000020004" pitchFamily="49" charset="0"/>
               <a:sym typeface="Source Code Pro"/>
             </a:endParaRPr>
           </a:p>
@@ -1775,7 +1784,11 @@
               </a:spcAft>
               <a:buNone/>
             </a:pPr>
-            <a:endParaRPr/>
+            <a:endParaRPr dirty="0">
+              <a:latin typeface="Fira Code" panose="020B0809050000020004" pitchFamily="49" charset="0"/>
+              <a:ea typeface="Fira Code" panose="020B0809050000020004" pitchFamily="49" charset="0"/>
+              <a:cs typeface="Fira Code" panose="020B0809050000020004" pitchFamily="49" charset="0"/>
+            </a:endParaRPr>
           </a:p>
         </p:txBody>
       </p:sp>
@@ -1815,7 +1828,11 @@
               </a:spcAft>
               <a:buNone/>
             </a:pPr>
-            <a:endParaRPr/>
+            <a:endParaRPr dirty="0">
+              <a:latin typeface="Fira Code" panose="020B0809050000020004" pitchFamily="49" charset="0"/>
+              <a:ea typeface="Fira Code" panose="020B0809050000020004" pitchFamily="49" charset="0"/>
+              <a:cs typeface="Fira Code" panose="020B0809050000020004" pitchFamily="49" charset="0"/>
+            </a:endParaRPr>
           </a:p>
         </p:txBody>
       </p:sp>
@@ -1900,7 +1917,11 @@
                 </a:spcAft>
                 <a:buNone/>
               </a:pPr>
-              <a:endParaRPr/>
+              <a:endParaRPr dirty="0">
+                <a:latin typeface="Fira Code" panose="020B0809050000020004" pitchFamily="49" charset="0"/>
+                <a:ea typeface="Fira Code" panose="020B0809050000020004" pitchFamily="49" charset="0"/>
+                <a:cs typeface="Fira Code" panose="020B0809050000020004" pitchFamily="49" charset="0"/>
+              </a:endParaRPr>
             </a:p>
           </p:txBody>
         </p:sp>
@@ -1946,7 +1967,11 @@
                 </a:spcAft>
                 <a:buNone/>
               </a:pPr>
-              <a:endParaRPr/>
+              <a:endParaRPr dirty="0">
+                <a:latin typeface="Fira Code" panose="020B0809050000020004" pitchFamily="49" charset="0"/>
+                <a:ea typeface="Fira Code" panose="020B0809050000020004" pitchFamily="49" charset="0"/>
+                <a:cs typeface="Fira Code" panose="020B0809050000020004" pitchFamily="49" charset="0"/>
+              </a:endParaRPr>
             </a:p>
           </p:txBody>
         </p:sp>
@@ -2007,7 +2032,11 @@
                 </a:spcAft>
                 <a:buNone/>
               </a:pPr>
-              <a:endParaRPr/>
+              <a:endParaRPr dirty="0">
+                <a:latin typeface="Fira Code" panose="020B0809050000020004" pitchFamily="49" charset="0"/>
+                <a:ea typeface="Fira Code" panose="020B0809050000020004" pitchFamily="49" charset="0"/>
+                <a:cs typeface="Fira Code" panose="020B0809050000020004" pitchFamily="49" charset="0"/>
+              </a:endParaRPr>
             </a:p>
           </p:txBody>
         </p:sp>
@@ -2053,7 +2082,11 @@
                 </a:spcAft>
                 <a:buNone/>
               </a:pPr>
-              <a:endParaRPr/>
+              <a:endParaRPr dirty="0">
+                <a:latin typeface="Fira Code" panose="020B0809050000020004" pitchFamily="49" charset="0"/>
+                <a:ea typeface="Fira Code" panose="020B0809050000020004" pitchFamily="49" charset="0"/>
+                <a:cs typeface="Fira Code" panose="020B0809050000020004" pitchFamily="49" charset="0"/>
+              </a:endParaRPr>
             </a:p>
           </p:txBody>
         </p:sp>
@@ -2093,24 +2126,24 @@
               <a:buNone/>
             </a:pPr>
             <a:r>
-              <a:rPr lang="en" sz="1000">
+              <a:rPr lang="en" sz="1000" dirty="0">
                 <a:solidFill>
                   <a:schemeClr val="dk1"/>
                 </a:solidFill>
-                <a:latin typeface="Source Code Pro"/>
-                <a:ea typeface="Source Code Pro"/>
-                <a:cs typeface="Source Code Pro"/>
+                <a:latin typeface="Fira Code" panose="020B0809050000020004" pitchFamily="49" charset="0"/>
+                <a:ea typeface="Fira Code" panose="020B0809050000020004" pitchFamily="49" charset="0"/>
+                <a:cs typeface="Fira Code" panose="020B0809050000020004" pitchFamily="49" charset="0"/>
                 <a:sym typeface="Source Code Pro"/>
               </a:rPr>
               <a:t>1 0 1 1   0 1 1   0 1   1 0 1 1 0 0 1   1 0   1 1 0 1 1   0 1 1   0 1   1 1 0 1 1 0   1 1 0 1 1 1   1 1 0 1 </a:t>
             </a:r>
-            <a:endParaRPr sz="1000">
+            <a:endParaRPr sz="1000" dirty="0">
               <a:solidFill>
                 <a:schemeClr val="dk1"/>
               </a:solidFill>
-              <a:latin typeface="Source Code Pro"/>
-              <a:ea typeface="Source Code Pro"/>
-              <a:cs typeface="Source Code Pro"/>
+              <a:latin typeface="Fira Code" panose="020B0809050000020004" pitchFamily="49" charset="0"/>
+              <a:ea typeface="Fira Code" panose="020B0809050000020004" pitchFamily="49" charset="0"/>
+              <a:cs typeface="Fira Code" panose="020B0809050000020004" pitchFamily="49" charset="0"/>
               <a:sym typeface="Source Code Pro"/>
             </a:endParaRPr>
           </a:p>
@@ -2166,7 +2199,11 @@
                 </a:spcAft>
                 <a:buNone/>
               </a:pPr>
-              <a:endParaRPr/>
+              <a:endParaRPr dirty="0">
+                <a:latin typeface="Fira Code" panose="020B0809050000020004" pitchFamily="49" charset="0"/>
+                <a:ea typeface="Fira Code" panose="020B0809050000020004" pitchFamily="49" charset="0"/>
+                <a:cs typeface="Fira Code" panose="020B0809050000020004" pitchFamily="49" charset="0"/>
+              </a:endParaRPr>
             </a:p>
           </p:txBody>
         </p:sp>
@@ -2206,7 +2243,11 @@
                 </a:spcAft>
                 <a:buNone/>
               </a:pPr>
-              <a:endParaRPr/>
+              <a:endParaRPr dirty="0">
+                <a:latin typeface="Fira Code" panose="020B0809050000020004" pitchFamily="49" charset="0"/>
+                <a:ea typeface="Fira Code" panose="020B0809050000020004" pitchFamily="49" charset="0"/>
+                <a:cs typeface="Fira Code" panose="020B0809050000020004" pitchFamily="49" charset="0"/>
+              </a:endParaRPr>
             </a:p>
           </p:txBody>
         </p:sp>
@@ -2292,7 +2333,11 @@
                 </a:spcAft>
                 <a:buNone/>
               </a:pPr>
-              <a:endParaRPr/>
+              <a:endParaRPr dirty="0">
+                <a:latin typeface="Fira Code" panose="020B0809050000020004" pitchFamily="49" charset="0"/>
+                <a:ea typeface="Fira Code" panose="020B0809050000020004" pitchFamily="49" charset="0"/>
+                <a:cs typeface="Fira Code" panose="020B0809050000020004" pitchFamily="49" charset="0"/>
+              </a:endParaRPr>
             </a:p>
           </p:txBody>
         </p:sp>
@@ -2338,7 +2383,11 @@
                 </a:spcAft>
                 <a:buNone/>
               </a:pPr>
-              <a:endParaRPr/>
+              <a:endParaRPr dirty="0">
+                <a:latin typeface="Fira Code" panose="020B0809050000020004" pitchFamily="49" charset="0"/>
+                <a:ea typeface="Fira Code" panose="020B0809050000020004" pitchFamily="49" charset="0"/>
+                <a:cs typeface="Fira Code" panose="020B0809050000020004" pitchFamily="49" charset="0"/>
+              </a:endParaRPr>
             </a:p>
           </p:txBody>
         </p:sp>
@@ -2378,24 +2427,24 @@
               <a:buNone/>
             </a:pPr>
             <a:r>
-              <a:rPr lang="en" sz="1000">
+              <a:rPr lang="en" sz="1000" dirty="0">
                 <a:solidFill>
                   <a:schemeClr val="dk1"/>
                 </a:solidFill>
-                <a:latin typeface="Source Code Pro"/>
-                <a:ea typeface="Source Code Pro"/>
-                <a:cs typeface="Source Code Pro"/>
+                <a:latin typeface="Fira Code" panose="020B0809050000020004" pitchFamily="49" charset="0"/>
+                <a:ea typeface="Fira Code" panose="020B0809050000020004" pitchFamily="49" charset="0"/>
+                <a:cs typeface="Fira Code" panose="020B0809050000020004" pitchFamily="49" charset="0"/>
                 <a:sym typeface="Source Code Pro"/>
               </a:rPr>
               <a:t>1 0 1 1   0 1 1   0 1   1 0 1 1 0 0 1   1 0   1 1 0 1 1   0 1 1   0 1   1 1 0 1 1 0   1 1 0 1 1 1   1 1 0 1 </a:t>
             </a:r>
-            <a:endParaRPr sz="1000">
+            <a:endParaRPr sz="1000" dirty="0">
               <a:solidFill>
                 <a:schemeClr val="dk1"/>
               </a:solidFill>
-              <a:latin typeface="Source Code Pro"/>
-              <a:ea typeface="Source Code Pro"/>
-              <a:cs typeface="Source Code Pro"/>
+              <a:latin typeface="Fira Code" panose="020B0809050000020004" pitchFamily="49" charset="0"/>
+              <a:ea typeface="Fira Code" panose="020B0809050000020004" pitchFamily="49" charset="0"/>
+              <a:cs typeface="Fira Code" panose="020B0809050000020004" pitchFamily="49" charset="0"/>
               <a:sym typeface="Source Code Pro"/>
             </a:endParaRPr>
           </a:p>
@@ -2482,7 +2531,11 @@
                 </a:spcAft>
                 <a:buNone/>
               </a:pPr>
-              <a:endParaRPr/>
+              <a:endParaRPr dirty="0">
+                <a:latin typeface="Fira Code" panose="020B0809050000020004" pitchFamily="49" charset="0"/>
+                <a:ea typeface="Fira Code" panose="020B0809050000020004" pitchFamily="49" charset="0"/>
+                <a:cs typeface="Fira Code" panose="020B0809050000020004" pitchFamily="49" charset="0"/>
+              </a:endParaRPr>
             </a:p>
           </p:txBody>
         </p:sp>
@@ -2528,7 +2581,11 @@
                 </a:spcAft>
                 <a:buNone/>
               </a:pPr>
-              <a:endParaRPr/>
+              <a:endParaRPr dirty="0">
+                <a:latin typeface="Fira Code" panose="020B0809050000020004" pitchFamily="49" charset="0"/>
+                <a:ea typeface="Fira Code" panose="020B0809050000020004" pitchFamily="49" charset="0"/>
+                <a:cs typeface="Fira Code" panose="020B0809050000020004" pitchFamily="49" charset="0"/>
+              </a:endParaRPr>
             </a:p>
           </p:txBody>
         </p:sp>
@@ -2569,7 +2626,11 @@
               </a:spcAft>
               <a:buSzPts val="1200"/>
               <a:buNone/>
-              <a:defRPr/>
+              <a:defRPr>
+                <a:latin typeface="Fira Code" panose="020B0809050000020004" pitchFamily="49" charset="0"/>
+                <a:ea typeface="Fira Code" panose="020B0809050000020004" pitchFamily="49" charset="0"/>
+                <a:cs typeface="Fira Code" panose="020B0809050000020004" pitchFamily="49" charset="0"/>
+              </a:defRPr>
             </a:lvl1pPr>
             <a:lvl2pPr lvl="1" algn="ctr" rtl="0">
               <a:lnSpc>
@@ -2685,7 +2746,7 @@
             </a:lvl9pPr>
           </a:lstStyle>
           <a:p>
-            <a:endParaRPr/>
+            <a:endParaRPr dirty="0"/>
           </a:p>
         </p:txBody>
       </p:sp>
@@ -2725,7 +2786,11 @@
               </a:spcAft>
               <a:buSzPts val="1200"/>
               <a:buNone/>
-              <a:defRPr/>
+              <a:defRPr>
+                <a:latin typeface="Fira Code" panose="020B0809050000020004" pitchFamily="49" charset="0"/>
+                <a:ea typeface="Fira Code" panose="020B0809050000020004" pitchFamily="49" charset="0"/>
+                <a:cs typeface="Fira Code" panose="020B0809050000020004" pitchFamily="49" charset="0"/>
+              </a:defRPr>
             </a:lvl1pPr>
             <a:lvl2pPr lvl="1" algn="ctr" rtl="0">
               <a:lnSpc>
@@ -2841,7 +2906,7 @@
             </a:lvl9pPr>
           </a:lstStyle>
           <a:p>
-            <a:endParaRPr/>
+            <a:endParaRPr dirty="0"/>
           </a:p>
         </p:txBody>
       </p:sp>
@@ -3535,24 +3600,24 @@
               <a:buNone/>
             </a:pPr>
             <a:r>
-              <a:rPr lang="en" sz="1000">
+              <a:rPr lang="en" sz="1000" dirty="0">
                 <a:solidFill>
                   <a:schemeClr val="dk1"/>
                 </a:solidFill>
-                <a:latin typeface="Source Code Pro"/>
-                <a:ea typeface="Source Code Pro"/>
-                <a:cs typeface="Source Code Pro"/>
+                <a:latin typeface="Fira Code" panose="020B0809050000020004" pitchFamily="49" charset="0"/>
+                <a:ea typeface="Fira Code" panose="020B0809050000020004" pitchFamily="49" charset="0"/>
+                <a:cs typeface="Fira Code" panose="020B0809050000020004" pitchFamily="49" charset="0"/>
                 <a:sym typeface="Source Code Pro"/>
               </a:rPr>
               <a:t>1 0 1 1   0 1 1   0 1   1 0 1 1 0 0 1   1 0   1 1 0 1 1   0 1 1   0 1   1 1 0 1 1 0   1 1 0 1 1 1   1 1 0 1 </a:t>
             </a:r>
-            <a:endParaRPr sz="1000">
+            <a:endParaRPr sz="1000" dirty="0">
               <a:solidFill>
                 <a:schemeClr val="dk1"/>
               </a:solidFill>
-              <a:latin typeface="Source Code Pro"/>
-              <a:ea typeface="Source Code Pro"/>
-              <a:cs typeface="Source Code Pro"/>
+              <a:latin typeface="Fira Code" panose="020B0809050000020004" pitchFamily="49" charset="0"/>
+              <a:ea typeface="Fira Code" panose="020B0809050000020004" pitchFamily="49" charset="0"/>
+              <a:cs typeface="Fira Code" panose="020B0809050000020004" pitchFamily="49" charset="0"/>
               <a:sym typeface="Source Code Pro"/>
             </a:endParaRPr>
           </a:p>
@@ -3639,7 +3704,11 @@
                 </a:spcAft>
                 <a:buNone/>
               </a:pPr>
-              <a:endParaRPr/>
+              <a:endParaRPr dirty="0">
+                <a:latin typeface="Fira Code" panose="020B0809050000020004" pitchFamily="49" charset="0"/>
+                <a:ea typeface="Fira Code" panose="020B0809050000020004" pitchFamily="49" charset="0"/>
+                <a:cs typeface="Fira Code" panose="020B0809050000020004" pitchFamily="49" charset="0"/>
+              </a:endParaRPr>
             </a:p>
           </p:txBody>
         </p:sp>
@@ -3685,7 +3754,11 @@
                 </a:spcAft>
                 <a:buNone/>
               </a:pPr>
-              <a:endParaRPr/>
+              <a:endParaRPr dirty="0">
+                <a:latin typeface="Fira Code" panose="020B0809050000020004" pitchFamily="49" charset="0"/>
+                <a:ea typeface="Fira Code" panose="020B0809050000020004" pitchFamily="49" charset="0"/>
+                <a:cs typeface="Fira Code" panose="020B0809050000020004" pitchFamily="49" charset="0"/>
+              </a:endParaRPr>
             </a:p>
           </p:txBody>
         </p:sp>
@@ -3859,7 +3932,11 @@
               </a:buClr>
               <a:buSzPts val="1200"/>
               <a:buAutoNum type="arabicPeriod"/>
-              <a:defRPr/>
+              <a:defRPr>
+                <a:latin typeface="Fira Code" panose="020B0809050000020004" pitchFamily="49" charset="0"/>
+                <a:ea typeface="Fira Code" panose="020B0809050000020004" pitchFamily="49" charset="0"/>
+                <a:cs typeface="Fira Code" panose="020B0809050000020004" pitchFamily="49" charset="0"/>
+              </a:defRPr>
             </a:lvl1pPr>
             <a:lvl2pPr marL="914400" lvl="1" indent="-304800" rtl="0">
               <a:spcBef>
@@ -3983,7 +4060,7 @@
             </a:lvl9pPr>
           </a:lstStyle>
           <a:p>
-            <a:endParaRPr/>
+            <a:endParaRPr dirty="0"/>
           </a:p>
         </p:txBody>
       </p:sp>
@@ -4022,24 +4099,24 @@
               <a:buNone/>
             </a:pPr>
             <a:r>
-              <a:rPr lang="en" sz="1000">
+              <a:rPr lang="en" sz="1000" dirty="0">
                 <a:solidFill>
                   <a:schemeClr val="dk1"/>
                 </a:solidFill>
-                <a:latin typeface="Source Code Pro"/>
-                <a:ea typeface="Source Code Pro"/>
-                <a:cs typeface="Source Code Pro"/>
+                <a:latin typeface="Fira Code" panose="020B0809050000020004" pitchFamily="49" charset="0"/>
+                <a:ea typeface="Fira Code" panose="020B0809050000020004" pitchFamily="49" charset="0"/>
+                <a:cs typeface="Fira Code" panose="020B0809050000020004" pitchFamily="49" charset="0"/>
                 <a:sym typeface="Source Code Pro"/>
               </a:rPr>
               <a:t>1 0 1 1   0 1 1   0 1   1 0 1 1 0 0 1   1 0   1 1 0 1 1   0 1 1   0 1   1 1 0 1 1 0   1 1 0 1 1 1   1 1 0 1 </a:t>
             </a:r>
-            <a:endParaRPr sz="1000">
+            <a:endParaRPr sz="1000" dirty="0">
               <a:solidFill>
                 <a:schemeClr val="dk1"/>
               </a:solidFill>
-              <a:latin typeface="Source Code Pro"/>
-              <a:ea typeface="Source Code Pro"/>
-              <a:cs typeface="Source Code Pro"/>
+              <a:latin typeface="Fira Code" panose="020B0809050000020004" pitchFamily="49" charset="0"/>
+              <a:ea typeface="Fira Code" panose="020B0809050000020004" pitchFamily="49" charset="0"/>
+              <a:cs typeface="Fira Code" panose="020B0809050000020004" pitchFamily="49" charset="0"/>
               <a:sym typeface="Source Code Pro"/>
             </a:endParaRPr>
           </a:p>
@@ -4126,7 +4203,11 @@
                 </a:spcAft>
                 <a:buNone/>
               </a:pPr>
-              <a:endParaRPr/>
+              <a:endParaRPr dirty="0">
+                <a:latin typeface="Fira Code" panose="020B0809050000020004" pitchFamily="49" charset="0"/>
+                <a:ea typeface="Fira Code" panose="020B0809050000020004" pitchFamily="49" charset="0"/>
+                <a:cs typeface="Fira Code" panose="020B0809050000020004" pitchFamily="49" charset="0"/>
+              </a:endParaRPr>
             </a:p>
           </p:txBody>
         </p:sp>
@@ -4172,7 +4253,11 @@
                 </a:spcAft>
                 <a:buNone/>
               </a:pPr>
-              <a:endParaRPr/>
+              <a:endParaRPr dirty="0">
+                <a:latin typeface="Fira Code" panose="020B0809050000020004" pitchFamily="49" charset="0"/>
+                <a:ea typeface="Fira Code" panose="020B0809050000020004" pitchFamily="49" charset="0"/>
+                <a:cs typeface="Fira Code" panose="020B0809050000020004" pitchFamily="49" charset="0"/>
+              </a:endParaRPr>
             </a:p>
           </p:txBody>
         </p:sp>
@@ -4212,24 +4297,24 @@
               <a:buNone/>
             </a:pPr>
             <a:r>
-              <a:rPr lang="en" sz="1000">
+              <a:rPr lang="en" sz="1000" dirty="0">
                 <a:solidFill>
                   <a:schemeClr val="dk1"/>
                 </a:solidFill>
-                <a:latin typeface="Source Code Pro"/>
-                <a:ea typeface="Source Code Pro"/>
-                <a:cs typeface="Source Code Pro"/>
+                <a:latin typeface="Fira Code" panose="020B0809050000020004" pitchFamily="49" charset="0"/>
+                <a:ea typeface="Fira Code" panose="020B0809050000020004" pitchFamily="49" charset="0"/>
+                <a:cs typeface="Fira Code" panose="020B0809050000020004" pitchFamily="49" charset="0"/>
                 <a:sym typeface="Source Code Pro"/>
               </a:rPr>
               <a:t>1 0 1 1   0 1 1   0 1   1 0 1 1 0 0 1   1 0   1 1 0 1 1   0 1 1   0 1   1 1 0 1 1 0   1 1 0 1 1 1   1 1 0 1 </a:t>
             </a:r>
-            <a:endParaRPr sz="1000">
+            <a:endParaRPr sz="1000" dirty="0">
               <a:solidFill>
                 <a:schemeClr val="dk1"/>
               </a:solidFill>
-              <a:latin typeface="Source Code Pro"/>
-              <a:ea typeface="Source Code Pro"/>
-              <a:cs typeface="Source Code Pro"/>
+              <a:latin typeface="Fira Code" panose="020B0809050000020004" pitchFamily="49" charset="0"/>
+              <a:ea typeface="Fira Code" panose="020B0809050000020004" pitchFamily="49" charset="0"/>
+              <a:cs typeface="Fira Code" panose="020B0809050000020004" pitchFamily="49" charset="0"/>
               <a:sym typeface="Source Code Pro"/>
             </a:endParaRPr>
           </a:p>
@@ -4449,7 +4534,11 @@
                 </a:spcAft>
                 <a:buNone/>
               </a:pPr>
-              <a:endParaRPr/>
+              <a:endParaRPr dirty="0">
+                <a:latin typeface="Fira Code" panose="020B0809050000020004" pitchFamily="49" charset="0"/>
+                <a:ea typeface="Fira Code" panose="020B0809050000020004" pitchFamily="49" charset="0"/>
+                <a:cs typeface="Fira Code" panose="020B0809050000020004" pitchFamily="49" charset="0"/>
+              </a:endParaRPr>
             </a:p>
           </p:txBody>
         </p:sp>
@@ -4495,7 +4584,11 @@
                 </a:spcAft>
                 <a:buNone/>
               </a:pPr>
-              <a:endParaRPr/>
+              <a:endParaRPr dirty="0">
+                <a:latin typeface="Fira Code" panose="020B0809050000020004" pitchFamily="49" charset="0"/>
+                <a:ea typeface="Fira Code" panose="020B0809050000020004" pitchFamily="49" charset="0"/>
+                <a:cs typeface="Fira Code" panose="020B0809050000020004" pitchFamily="49" charset="0"/>
+              </a:endParaRPr>
             </a:p>
           </p:txBody>
         </p:sp>
@@ -4535,24 +4628,24 @@
               <a:buNone/>
             </a:pPr>
             <a:r>
-              <a:rPr lang="en" sz="1000">
+              <a:rPr lang="en" sz="1000" dirty="0">
                 <a:solidFill>
                   <a:schemeClr val="dk1"/>
                 </a:solidFill>
-                <a:latin typeface="Source Code Pro"/>
-                <a:ea typeface="Source Code Pro"/>
-                <a:cs typeface="Source Code Pro"/>
+                <a:latin typeface="Fira Code" panose="020B0809050000020004" pitchFamily="49" charset="0"/>
+                <a:ea typeface="Fira Code" panose="020B0809050000020004" pitchFamily="49" charset="0"/>
+                <a:cs typeface="Fira Code" panose="020B0809050000020004" pitchFamily="49" charset="0"/>
                 <a:sym typeface="Source Code Pro"/>
               </a:rPr>
               <a:t>1 0 1 1   0 1 1   0 1   1 0 1 1 0 0 1   1 0   1 1 0 1 1   0 1 1   0 1   1 1 0 1 1 0   1 1 0 1 1 1   1 1 0 1 </a:t>
             </a:r>
-            <a:endParaRPr sz="1000">
+            <a:endParaRPr sz="1000" dirty="0">
               <a:solidFill>
                 <a:schemeClr val="dk1"/>
               </a:solidFill>
-              <a:latin typeface="Source Code Pro"/>
-              <a:ea typeface="Source Code Pro"/>
-              <a:cs typeface="Source Code Pro"/>
+              <a:latin typeface="Fira Code" panose="020B0809050000020004" pitchFamily="49" charset="0"/>
+              <a:ea typeface="Fira Code" panose="020B0809050000020004" pitchFamily="49" charset="0"/>
+              <a:cs typeface="Fira Code" panose="020B0809050000020004" pitchFamily="49" charset="0"/>
               <a:sym typeface="Source Code Pro"/>
             </a:endParaRPr>
           </a:p>
@@ -4727,7 +4820,11 @@
               </a:spcAft>
               <a:buSzPts val="1200"/>
               <a:buNone/>
-              <a:defRPr sz="1600"/>
+              <a:defRPr sz="1600">
+                <a:latin typeface="Fira Code" panose="020B0809050000020004" pitchFamily="49" charset="0"/>
+                <a:ea typeface="Fira Code" panose="020B0809050000020004" pitchFamily="49" charset="0"/>
+                <a:cs typeface="Fira Code" panose="020B0809050000020004" pitchFamily="49" charset="0"/>
+              </a:defRPr>
             </a:lvl1pPr>
             <a:lvl2pPr lvl="1" algn="ctr" rtl="0">
               <a:lnSpc>
@@ -4843,7 +4940,7 @@
             </a:lvl9pPr>
           </a:lstStyle>
           <a:p>
-            <a:endParaRPr/>
+            <a:endParaRPr dirty="0"/>
           </a:p>
         </p:txBody>
       </p:sp>
@@ -4928,7 +5025,11 @@
                 </a:spcAft>
                 <a:buNone/>
               </a:pPr>
-              <a:endParaRPr/>
+              <a:endParaRPr dirty="0">
+                <a:latin typeface="Fira Code" panose="020B0809050000020004" pitchFamily="49" charset="0"/>
+                <a:ea typeface="Fira Code" panose="020B0809050000020004" pitchFamily="49" charset="0"/>
+                <a:cs typeface="Fira Code" panose="020B0809050000020004" pitchFamily="49" charset="0"/>
+              </a:endParaRPr>
             </a:p>
           </p:txBody>
         </p:sp>
@@ -4974,7 +5075,11 @@
                 </a:spcAft>
                 <a:buNone/>
               </a:pPr>
-              <a:endParaRPr/>
+              <a:endParaRPr dirty="0">
+                <a:latin typeface="Fira Code" panose="020B0809050000020004" pitchFamily="49" charset="0"/>
+                <a:ea typeface="Fira Code" panose="020B0809050000020004" pitchFamily="49" charset="0"/>
+                <a:cs typeface="Fira Code" panose="020B0809050000020004" pitchFamily="49" charset="0"/>
+              </a:endParaRPr>
             </a:p>
           </p:txBody>
         </p:sp>
@@ -5014,24 +5119,24 @@
               <a:buNone/>
             </a:pPr>
             <a:r>
-              <a:rPr lang="en" sz="1000">
+              <a:rPr lang="en" sz="1000" dirty="0">
                 <a:solidFill>
                   <a:schemeClr val="dk1"/>
                 </a:solidFill>
-                <a:latin typeface="Source Code Pro"/>
-                <a:ea typeface="Source Code Pro"/>
-                <a:cs typeface="Source Code Pro"/>
+                <a:latin typeface="Fira Code" panose="020B0809050000020004" pitchFamily="49" charset="0"/>
+                <a:ea typeface="Fira Code" panose="020B0809050000020004" pitchFamily="49" charset="0"/>
+                <a:cs typeface="Fira Code" panose="020B0809050000020004" pitchFamily="49" charset="0"/>
                 <a:sym typeface="Source Code Pro"/>
               </a:rPr>
               <a:t>1 0 1 1   0 1 1   0 1   1 0 1 1 0 0 1   1 0   1 1 0 1 1   0 1 1   0 1   1 1 0 1 1 0   1 1 0 1 1 1   1 1 0 1 </a:t>
             </a:r>
-            <a:endParaRPr sz="1000">
+            <a:endParaRPr sz="1000" dirty="0">
               <a:solidFill>
                 <a:schemeClr val="dk1"/>
               </a:solidFill>
-              <a:latin typeface="Source Code Pro"/>
-              <a:ea typeface="Source Code Pro"/>
-              <a:cs typeface="Source Code Pro"/>
+              <a:latin typeface="Fira Code" panose="020B0809050000020004" pitchFamily="49" charset="0"/>
+              <a:ea typeface="Fira Code" panose="020B0809050000020004" pitchFamily="49" charset="0"/>
+              <a:cs typeface="Fira Code" panose="020B0809050000020004" pitchFamily="49" charset="0"/>
               <a:sym typeface="Source Code Pro"/>
             </a:endParaRPr>
           </a:p>
@@ -5283,7 +5388,11 @@
                 </a:spcAft>
                 <a:buNone/>
               </a:pPr>
-              <a:endParaRPr/>
+              <a:endParaRPr dirty="0">
+                <a:latin typeface="Fira Code" panose="020B0809050000020004" pitchFamily="49" charset="0"/>
+                <a:ea typeface="Fira Code" panose="020B0809050000020004" pitchFamily="49" charset="0"/>
+                <a:cs typeface="Fira Code" panose="020B0809050000020004" pitchFamily="49" charset="0"/>
+              </a:endParaRPr>
             </a:p>
           </p:txBody>
         </p:sp>
@@ -5329,7 +5438,11 @@
                 </a:spcAft>
                 <a:buNone/>
               </a:pPr>
-              <a:endParaRPr/>
+              <a:endParaRPr dirty="0">
+                <a:latin typeface="Fira Code" panose="020B0809050000020004" pitchFamily="49" charset="0"/>
+                <a:ea typeface="Fira Code" panose="020B0809050000020004" pitchFamily="49" charset="0"/>
+                <a:cs typeface="Fira Code" panose="020B0809050000020004" pitchFamily="49" charset="0"/>
+              </a:endParaRPr>
             </a:p>
           </p:txBody>
         </p:sp>
@@ -5503,7 +5616,11 @@
               </a:spcAft>
               <a:buSzPts val="1400"/>
               <a:buNone/>
-              <a:defRPr/>
+              <a:defRPr>
+                <a:latin typeface="Fira Code" panose="020B0809050000020004" pitchFamily="49" charset="0"/>
+                <a:ea typeface="Fira Code" panose="020B0809050000020004" pitchFamily="49" charset="0"/>
+                <a:cs typeface="Fira Code" panose="020B0809050000020004" pitchFamily="49" charset="0"/>
+              </a:defRPr>
             </a:lvl1pPr>
             <a:lvl2pPr lvl="1" algn="ctr" rtl="0">
               <a:lnSpc>
@@ -5619,7 +5736,7 @@
             </a:lvl9pPr>
           </a:lstStyle>
           <a:p>
-            <a:endParaRPr/>
+            <a:endParaRPr dirty="0"/>
           </a:p>
         </p:txBody>
       </p:sp>
@@ -5792,7 +5909,11 @@
               </a:spcAft>
               <a:buSzPts val="1400"/>
               <a:buNone/>
-              <a:defRPr/>
+              <a:defRPr>
+                <a:latin typeface="Fira Code" panose="020B0809050000020004" pitchFamily="49" charset="0"/>
+                <a:ea typeface="Fira Code" panose="020B0809050000020004" pitchFamily="49" charset="0"/>
+                <a:cs typeface="Fira Code" panose="020B0809050000020004" pitchFamily="49" charset="0"/>
+              </a:defRPr>
             </a:lvl1pPr>
             <a:lvl2pPr lvl="1" algn="ctr" rtl="0">
               <a:lnSpc>
@@ -5908,7 +6029,7 @@
             </a:lvl9pPr>
           </a:lstStyle>
           <a:p>
-            <a:endParaRPr/>
+            <a:endParaRPr dirty="0"/>
           </a:p>
         </p:txBody>
       </p:sp>
@@ -6081,7 +6202,11 @@
               </a:spcAft>
               <a:buSzPts val="1400"/>
               <a:buNone/>
-              <a:defRPr/>
+              <a:defRPr>
+                <a:latin typeface="Fira Code" panose="020B0809050000020004" pitchFamily="49" charset="0"/>
+                <a:ea typeface="Fira Code" panose="020B0809050000020004" pitchFamily="49" charset="0"/>
+                <a:cs typeface="Fira Code" panose="020B0809050000020004" pitchFamily="49" charset="0"/>
+              </a:defRPr>
             </a:lvl1pPr>
             <a:lvl2pPr lvl="1" algn="ctr" rtl="0">
               <a:lnSpc>
@@ -6197,7 +6322,7 @@
             </a:lvl9pPr>
           </a:lstStyle>
           <a:p>
-            <a:endParaRPr/>
+            <a:endParaRPr dirty="0"/>
           </a:p>
         </p:txBody>
       </p:sp>
@@ -6369,24 +6494,24 @@
               <a:buNone/>
             </a:pPr>
             <a:r>
-              <a:rPr lang="en" sz="1000">
+              <a:rPr lang="en" sz="1000" dirty="0">
                 <a:solidFill>
                   <a:schemeClr val="dk1"/>
                 </a:solidFill>
-                <a:latin typeface="Source Code Pro"/>
-                <a:ea typeface="Source Code Pro"/>
-                <a:cs typeface="Source Code Pro"/>
+                <a:latin typeface="Fira Code" panose="020B0809050000020004" pitchFamily="49" charset="0"/>
+                <a:ea typeface="Fira Code" panose="020B0809050000020004" pitchFamily="49" charset="0"/>
+                <a:cs typeface="Fira Code" panose="020B0809050000020004" pitchFamily="49" charset="0"/>
                 <a:sym typeface="Source Code Pro"/>
               </a:rPr>
               <a:t>1 0 1 1   0 1 1   0 1   1 0 1 1 0 0 1   1 0   1 1 0 1 1   0 1 1   0 1   1 1 0 1 1 0   1 1 0 1 1 1   1 1 0 1 </a:t>
             </a:r>
-            <a:endParaRPr sz="1000">
+            <a:endParaRPr sz="1000" dirty="0">
               <a:solidFill>
                 <a:schemeClr val="dk1"/>
               </a:solidFill>
-              <a:latin typeface="Source Code Pro"/>
-              <a:ea typeface="Source Code Pro"/>
-              <a:cs typeface="Source Code Pro"/>
+              <a:latin typeface="Fira Code" panose="020B0809050000020004" pitchFamily="49" charset="0"/>
+              <a:ea typeface="Fira Code" panose="020B0809050000020004" pitchFamily="49" charset="0"/>
+              <a:cs typeface="Fira Code" panose="020B0809050000020004" pitchFamily="49" charset="0"/>
               <a:sym typeface="Source Code Pro"/>
             </a:endParaRPr>
           </a:p>
@@ -6473,7 +6598,11 @@
                 </a:spcAft>
                 <a:buNone/>
               </a:pPr>
-              <a:endParaRPr/>
+              <a:endParaRPr dirty="0">
+                <a:latin typeface="Fira Code" panose="020B0809050000020004" pitchFamily="49" charset="0"/>
+                <a:ea typeface="Fira Code" panose="020B0809050000020004" pitchFamily="49" charset="0"/>
+                <a:cs typeface="Fira Code" panose="020B0809050000020004" pitchFamily="49" charset="0"/>
+              </a:endParaRPr>
             </a:p>
           </p:txBody>
         </p:sp>
@@ -6519,7 +6648,11 @@
                 </a:spcAft>
                 <a:buNone/>
               </a:pPr>
-              <a:endParaRPr/>
+              <a:endParaRPr dirty="0">
+                <a:latin typeface="Fira Code" panose="020B0809050000020004" pitchFamily="49" charset="0"/>
+                <a:ea typeface="Fira Code" panose="020B0809050000020004" pitchFamily="49" charset="0"/>
+                <a:cs typeface="Fira Code" panose="020B0809050000020004" pitchFamily="49" charset="0"/>
+              </a:endParaRPr>
             </a:p>
           </p:txBody>
         </p:sp>
@@ -6693,7 +6826,11 @@
               </a:spcAft>
               <a:buSzPts val="1400"/>
               <a:buNone/>
-              <a:defRPr/>
+              <a:defRPr>
+                <a:latin typeface="Fira Code" panose="020B0809050000020004" pitchFamily="49" charset="0"/>
+                <a:ea typeface="Fira Code" panose="020B0809050000020004" pitchFamily="49" charset="0"/>
+                <a:cs typeface="Fira Code" panose="020B0809050000020004" pitchFamily="49" charset="0"/>
+              </a:defRPr>
             </a:lvl1pPr>
             <a:lvl2pPr lvl="1" algn="ctr" rtl="0">
               <a:lnSpc>
@@ -6809,7 +6946,7 @@
             </a:lvl9pPr>
           </a:lstStyle>
           <a:p>
-            <a:endParaRPr/>
+            <a:endParaRPr dirty="0"/>
           </a:p>
         </p:txBody>
       </p:sp>
@@ -6982,7 +7119,11 @@
               </a:spcAft>
               <a:buSzPts val="1400"/>
               <a:buNone/>
-              <a:defRPr/>
+              <a:defRPr>
+                <a:latin typeface="Fira Code" panose="020B0809050000020004" pitchFamily="49" charset="0"/>
+                <a:ea typeface="Fira Code" panose="020B0809050000020004" pitchFamily="49" charset="0"/>
+                <a:cs typeface="Fira Code" panose="020B0809050000020004" pitchFamily="49" charset="0"/>
+              </a:defRPr>
             </a:lvl1pPr>
             <a:lvl2pPr lvl="1" algn="ctr" rtl="0">
               <a:lnSpc>
@@ -7098,7 +7239,7 @@
             </a:lvl9pPr>
           </a:lstStyle>
           <a:p>
-            <a:endParaRPr/>
+            <a:endParaRPr dirty="0"/>
           </a:p>
         </p:txBody>
       </p:sp>
@@ -7271,7 +7412,11 @@
               </a:spcAft>
               <a:buSzPts val="1400"/>
               <a:buNone/>
-              <a:defRPr/>
+              <a:defRPr>
+                <a:latin typeface="Fira Code" panose="020B0809050000020004" pitchFamily="49" charset="0"/>
+                <a:ea typeface="Fira Code" panose="020B0809050000020004" pitchFamily="49" charset="0"/>
+                <a:cs typeface="Fira Code" panose="020B0809050000020004" pitchFamily="49" charset="0"/>
+              </a:defRPr>
             </a:lvl1pPr>
             <a:lvl2pPr lvl="1" algn="ctr" rtl="0">
               <a:lnSpc>
@@ -7387,7 +7532,7 @@
             </a:lvl9pPr>
           </a:lstStyle>
           <a:p>
-            <a:endParaRPr/>
+            <a:endParaRPr dirty="0"/>
           </a:p>
         </p:txBody>
       </p:sp>
@@ -7560,7 +7705,11 @@
               </a:spcAft>
               <a:buSzPts val="1400"/>
               <a:buNone/>
-              <a:defRPr/>
+              <a:defRPr>
+                <a:latin typeface="Fira Code" panose="020B0809050000020004" pitchFamily="49" charset="0"/>
+                <a:ea typeface="Fira Code" panose="020B0809050000020004" pitchFamily="49" charset="0"/>
+                <a:cs typeface="Fira Code" panose="020B0809050000020004" pitchFamily="49" charset="0"/>
+              </a:defRPr>
             </a:lvl1pPr>
             <a:lvl2pPr lvl="1" algn="ctr" rtl="0">
               <a:lnSpc>
@@ -7676,7 +7825,7 @@
             </a:lvl9pPr>
           </a:lstStyle>
           <a:p>
-            <a:endParaRPr/>
+            <a:endParaRPr dirty="0"/>
           </a:p>
         </p:txBody>
       </p:sp>
@@ -7849,7 +7998,11 @@
               </a:spcAft>
               <a:buSzPts val="1400"/>
               <a:buNone/>
-              <a:defRPr/>
+              <a:defRPr>
+                <a:latin typeface="Fira Code" panose="020B0809050000020004" pitchFamily="49" charset="0"/>
+                <a:ea typeface="Fira Code" panose="020B0809050000020004" pitchFamily="49" charset="0"/>
+                <a:cs typeface="Fira Code" panose="020B0809050000020004" pitchFamily="49" charset="0"/>
+              </a:defRPr>
             </a:lvl1pPr>
             <a:lvl2pPr lvl="1" algn="ctr" rtl="0">
               <a:lnSpc>
@@ -7965,7 +8118,7 @@
             </a:lvl9pPr>
           </a:lstStyle>
           <a:p>
-            <a:endParaRPr/>
+            <a:endParaRPr dirty="0"/>
           </a:p>
         </p:txBody>
       </p:sp>
@@ -8138,7 +8291,11 @@
               </a:spcAft>
               <a:buSzPts val="1400"/>
               <a:buNone/>
-              <a:defRPr/>
+              <a:defRPr>
+                <a:latin typeface="Fira Code" panose="020B0809050000020004" pitchFamily="49" charset="0"/>
+                <a:ea typeface="Fira Code" panose="020B0809050000020004" pitchFamily="49" charset="0"/>
+                <a:cs typeface="Fira Code" panose="020B0809050000020004" pitchFamily="49" charset="0"/>
+              </a:defRPr>
             </a:lvl1pPr>
             <a:lvl2pPr lvl="1" algn="ctr" rtl="0">
               <a:lnSpc>
@@ -8254,7 +8411,7 @@
             </a:lvl9pPr>
           </a:lstStyle>
           <a:p>
-            <a:endParaRPr/>
+            <a:endParaRPr dirty="0"/>
           </a:p>
         </p:txBody>
       </p:sp>
@@ -8426,24 +8583,24 @@
               <a:buNone/>
             </a:pPr>
             <a:r>
-              <a:rPr lang="en" sz="1000">
+              <a:rPr lang="en" sz="1000" dirty="0">
                 <a:solidFill>
                   <a:schemeClr val="dk1"/>
                 </a:solidFill>
-                <a:latin typeface="Source Code Pro"/>
-                <a:ea typeface="Source Code Pro"/>
-                <a:cs typeface="Source Code Pro"/>
+                <a:latin typeface="Fira Code" panose="020B0809050000020004" pitchFamily="49" charset="0"/>
+                <a:ea typeface="Fira Code" panose="020B0809050000020004" pitchFamily="49" charset="0"/>
+                <a:cs typeface="Fira Code" panose="020B0809050000020004" pitchFamily="49" charset="0"/>
                 <a:sym typeface="Source Code Pro"/>
               </a:rPr>
               <a:t>1 0 1 1   0 1 1   0 1   1 0 1 1 0 0 1   1 0   1 1 0 1 1   0 1 1   0 1   1 1 0 1 1 0   1 1 0 1 1 1   1 1 0 1 </a:t>
             </a:r>
-            <a:endParaRPr sz="1000">
+            <a:endParaRPr sz="1000" dirty="0">
               <a:solidFill>
                 <a:schemeClr val="dk1"/>
               </a:solidFill>
-              <a:latin typeface="Source Code Pro"/>
-              <a:ea typeface="Source Code Pro"/>
-              <a:cs typeface="Source Code Pro"/>
+              <a:latin typeface="Fira Code" panose="020B0809050000020004" pitchFamily="49" charset="0"/>
+              <a:ea typeface="Fira Code" panose="020B0809050000020004" pitchFamily="49" charset="0"/>
+              <a:cs typeface="Fira Code" panose="020B0809050000020004" pitchFamily="49" charset="0"/>
               <a:sym typeface="Source Code Pro"/>
             </a:endParaRPr>
           </a:p>
@@ -8987,7 +9144,7 @@
             </a:lvl9pPr>
           </a:lstStyle>
           <a:p>
-            <a:endParaRPr/>
+            <a:endParaRPr dirty="0"/>
           </a:p>
         </p:txBody>
       </p:sp>
@@ -9268,9 +9425,9 @@
           <a:solidFill>
             <a:srgbClr val="000000"/>
           </a:solidFill>
-          <a:latin typeface="Arial"/>
-          <a:ea typeface="Arial"/>
-          <a:cs typeface="Arial"/>
+          <a:latin typeface="Fira Code" panose="020B0809050000020004" pitchFamily="49" charset="0"/>
+          <a:ea typeface="Fira Code" panose="020B0809050000020004" pitchFamily="49" charset="0"/>
+          <a:cs typeface="Fira Code" panose="020B0809050000020004" pitchFamily="49" charset="0"/>
           <a:sym typeface="Arial"/>
         </a:defRPr>
       </a:lvl1pPr>
@@ -9781,7 +9938,11 @@
                 </a:spcAft>
                 <a:buNone/>
               </a:pPr>
-              <a:endParaRPr/>
+              <a:endParaRPr dirty="0">
+                <a:latin typeface="Fira Code" panose="020B0809050000020004" pitchFamily="49" charset="0"/>
+                <a:ea typeface="Fira Code" panose="020B0809050000020004" pitchFamily="49" charset="0"/>
+                <a:cs typeface="Fira Code" panose="020B0809050000020004" pitchFamily="49" charset="0"/>
+              </a:endParaRPr>
             </a:p>
           </p:txBody>
         </p:sp>
@@ -9827,7 +9988,11 @@
                 </a:spcAft>
                 <a:buNone/>
               </a:pPr>
-              <a:endParaRPr/>
+              <a:endParaRPr dirty="0">
+                <a:latin typeface="Fira Code" panose="020B0809050000020004" pitchFamily="49" charset="0"/>
+                <a:ea typeface="Fira Code" panose="020B0809050000020004" pitchFamily="49" charset="0"/>
+                <a:cs typeface="Fira Code" panose="020B0809050000020004" pitchFamily="49" charset="0"/>
+              </a:endParaRPr>
             </a:p>
           </p:txBody>
         </p:sp>
@@ -9888,7 +10053,11 @@
                 </a:spcAft>
                 <a:buNone/>
               </a:pPr>
-              <a:endParaRPr/>
+              <a:endParaRPr dirty="0">
+                <a:latin typeface="Fira Code" panose="020B0809050000020004" pitchFamily="49" charset="0"/>
+                <a:ea typeface="Fira Code" panose="020B0809050000020004" pitchFamily="49" charset="0"/>
+                <a:cs typeface="Fira Code" panose="020B0809050000020004" pitchFamily="49" charset="0"/>
+              </a:endParaRPr>
             </a:p>
           </p:txBody>
         </p:sp>
@@ -9934,7 +10103,11 @@
                 </a:spcAft>
                 <a:buNone/>
               </a:pPr>
-              <a:endParaRPr/>
+              <a:endParaRPr dirty="0">
+                <a:latin typeface="Fira Code" panose="020B0809050000020004" pitchFamily="49" charset="0"/>
+                <a:ea typeface="Fira Code" panose="020B0809050000020004" pitchFamily="49" charset="0"/>
+                <a:cs typeface="Fira Code" panose="020B0809050000020004" pitchFamily="49" charset="0"/>
+              </a:endParaRPr>
             </a:p>
           </p:txBody>
         </p:sp>
@@ -9995,7 +10168,11 @@
                 </a:spcAft>
                 <a:buNone/>
               </a:pPr>
-              <a:endParaRPr/>
+              <a:endParaRPr dirty="0">
+                <a:latin typeface="Fira Code" panose="020B0809050000020004" pitchFamily="49" charset="0"/>
+                <a:ea typeface="Fira Code" panose="020B0809050000020004" pitchFamily="49" charset="0"/>
+                <a:cs typeface="Fira Code" panose="020B0809050000020004" pitchFamily="49" charset="0"/>
+              </a:endParaRPr>
             </a:p>
           </p:txBody>
         </p:sp>
@@ -10041,7 +10218,11 @@
                 </a:spcAft>
                 <a:buNone/>
               </a:pPr>
-              <a:endParaRPr/>
+              <a:endParaRPr dirty="0">
+                <a:latin typeface="Fira Code" panose="020B0809050000020004" pitchFamily="49" charset="0"/>
+                <a:ea typeface="Fira Code" panose="020B0809050000020004" pitchFamily="49" charset="0"/>
+                <a:cs typeface="Fira Code" panose="020B0809050000020004" pitchFamily="49" charset="0"/>
+              </a:endParaRPr>
             </a:p>
           </p:txBody>
         </p:sp>
@@ -10099,6 +10280,9 @@
               <a:solidFill>
                 <a:schemeClr val="lt2"/>
               </a:solidFill>
+              <a:latin typeface="Fira Code" panose="020B0809050000020004" pitchFamily="49" charset="0"/>
+              <a:ea typeface="Fira Code" panose="020B0809050000020004" pitchFamily="49" charset="0"/>
+              <a:cs typeface="Fira Code" panose="020B0809050000020004" pitchFamily="49" charset="0"/>
             </a:endParaRPr>
           </a:p>
         </p:txBody>
@@ -10156,6 +10340,9 @@
               <a:solidFill>
                 <a:schemeClr val="dk1"/>
               </a:solidFill>
+              <a:latin typeface="Fira Code" panose="020B0809050000020004" pitchFamily="49" charset="0"/>
+              <a:ea typeface="Fira Code" panose="020B0809050000020004" pitchFamily="49" charset="0"/>
+              <a:cs typeface="Fira Code" panose="020B0809050000020004" pitchFamily="49" charset="0"/>
             </a:endParaRPr>
           </a:p>
         </p:txBody>
@@ -10198,33 +10385,45 @@
               <a:buNone/>
             </a:pPr>
             <a:r>
-              <a:rPr lang="en" sz="3600">
+              <a:rPr lang="en" sz="3600" dirty="0">
                 <a:solidFill>
                   <a:schemeClr val="accent2"/>
                 </a:solidFill>
+                <a:latin typeface="Fira Code" panose="020B0809050000020004" pitchFamily="49" charset="0"/>
+                <a:ea typeface="Fira Code" panose="020B0809050000020004" pitchFamily="49" charset="0"/>
+                <a:cs typeface="Fira Code" panose="020B0809050000020004" pitchFamily="49" charset="0"/>
               </a:rPr>
               <a:t>}</a:t>
             </a:r>
             <a:r>
-              <a:rPr lang="en" sz="3600">
+              <a:rPr lang="en" sz="3600" dirty="0">
                 <a:solidFill>
                   <a:schemeClr val="dk1"/>
                 </a:solidFill>
+                <a:latin typeface="Fira Code" panose="020B0809050000020004" pitchFamily="49" charset="0"/>
+                <a:ea typeface="Fira Code" panose="020B0809050000020004" pitchFamily="49" charset="0"/>
+                <a:cs typeface="Fira Code" panose="020B0809050000020004" pitchFamily="49" charset="0"/>
               </a:rPr>
               <a:t> /&gt; </a:t>
             </a:r>
             <a:r>
-              <a:rPr lang="en" sz="3600">
+              <a:rPr lang="en" sz="3600" dirty="0">
                 <a:solidFill>
                   <a:schemeClr val="accent1"/>
                 </a:solidFill>
+                <a:latin typeface="Fira Code" panose="020B0809050000020004" pitchFamily="49" charset="0"/>
+                <a:ea typeface="Fira Code" panose="020B0809050000020004" pitchFamily="49" charset="0"/>
+                <a:cs typeface="Fira Code" panose="020B0809050000020004" pitchFamily="49" charset="0"/>
               </a:rPr>
               <a:t>[</a:t>
             </a:r>
-            <a:endParaRPr sz="3600">
+            <a:endParaRPr sz="3600" dirty="0">
               <a:solidFill>
                 <a:schemeClr val="accent1"/>
               </a:solidFill>
+              <a:latin typeface="Fira Code" panose="020B0809050000020004" pitchFamily="49" charset="0"/>
+              <a:ea typeface="Fira Code" panose="020B0809050000020004" pitchFamily="49" charset="0"/>
+              <a:cs typeface="Fira Code" panose="020B0809050000020004" pitchFamily="49" charset="0"/>
             </a:endParaRPr>
           </a:p>
         </p:txBody>
@@ -10380,9 +10579,9 @@
                 <a:solidFill>
                   <a:schemeClr val="dk1"/>
                 </a:solidFill>
-                <a:latin typeface="Source Code Pro"/>
-                <a:ea typeface="Source Code Pro"/>
-                <a:cs typeface="Source Code Pro"/>
+                <a:latin typeface="Fira Code" panose="020B0809050000020004" pitchFamily="49" charset="0"/>
+                <a:ea typeface="Fira Code" panose="020B0809050000020004" pitchFamily="49" charset="0"/>
+                <a:cs typeface="Fira Code" panose="020B0809050000020004" pitchFamily="49" charset="0"/>
                 <a:sym typeface="Source Code Pro"/>
               </a:rPr>
               <a:t>BMI Calculator</a:t>
@@ -10391,9 +10590,9 @@
               <a:solidFill>
                 <a:schemeClr val="dk1"/>
               </a:solidFill>
-              <a:latin typeface="Source Code Pro"/>
-              <a:ea typeface="Source Code Pro"/>
-              <a:cs typeface="Source Code Pro"/>
+              <a:latin typeface="Fira Code" panose="020B0809050000020004" pitchFamily="49" charset="0"/>
+              <a:ea typeface="Fira Code" panose="020B0809050000020004" pitchFamily="49" charset="0"/>
+              <a:cs typeface="Fira Code" panose="020B0809050000020004" pitchFamily="49" charset="0"/>
               <a:sym typeface="Source Code Pro"/>
             </a:endParaRPr>
           </a:p>
@@ -10438,9 +10637,9 @@
                 <a:solidFill>
                   <a:schemeClr val="dk1"/>
                 </a:solidFill>
-                <a:latin typeface="Source Code Pro"/>
-                <a:ea typeface="Source Code Pro"/>
-                <a:cs typeface="Source Code Pro"/>
+                <a:latin typeface="Fira Code" panose="020B0809050000020004" pitchFamily="49" charset="0"/>
+                <a:ea typeface="Fira Code" panose="020B0809050000020004" pitchFamily="49" charset="0"/>
+                <a:cs typeface="Fira Code" panose="020B0809050000020004" pitchFamily="49" charset="0"/>
                 <a:sym typeface="Source Code Pro"/>
               </a:rPr>
               <a:t>20</a:t>
@@ -10450,9 +10649,9 @@
                 <a:solidFill>
                   <a:schemeClr val="dk1"/>
                 </a:solidFill>
-                <a:latin typeface="Source Code Pro"/>
-                <a:ea typeface="Source Code Pro"/>
-                <a:cs typeface="Source Code Pro"/>
+                <a:latin typeface="Fira Code" panose="020B0809050000020004" pitchFamily="49" charset="0"/>
+                <a:ea typeface="Fira Code" panose="020B0809050000020004" pitchFamily="49" charset="0"/>
+                <a:cs typeface="Fira Code" panose="020B0809050000020004" pitchFamily="49" charset="0"/>
                 <a:sym typeface="Source Code Pro"/>
               </a:rPr>
               <a:t>х</a:t>
@@ -10462,9 +10661,9 @@
                 <a:solidFill>
                   <a:schemeClr val="dk1"/>
                 </a:solidFill>
-                <a:latin typeface="Source Code Pro"/>
-                <a:ea typeface="Source Code Pro"/>
-                <a:cs typeface="Source Code Pro"/>
+                <a:latin typeface="Fira Code" panose="020B0809050000020004" pitchFamily="49" charset="0"/>
+                <a:ea typeface="Fira Code" panose="020B0809050000020004" pitchFamily="49" charset="0"/>
+                <a:cs typeface="Fira Code" panose="020B0809050000020004" pitchFamily="49" charset="0"/>
                 <a:sym typeface="Source Code Pro"/>
               </a:rPr>
               <a:t>x</a:t>
@@ -10473,9 +10672,9 @@
               <a:solidFill>
                 <a:schemeClr val="dk1"/>
               </a:solidFill>
-              <a:latin typeface="Source Code Pro"/>
-              <a:ea typeface="Source Code Pro"/>
-              <a:cs typeface="Source Code Pro"/>
+              <a:latin typeface="Fira Code" panose="020B0809050000020004" pitchFamily="49" charset="0"/>
+              <a:ea typeface="Fira Code" panose="020B0809050000020004" pitchFamily="49" charset="0"/>
+              <a:cs typeface="Fira Code" panose="020B0809050000020004" pitchFamily="49" charset="0"/>
               <a:sym typeface="Source Code Pro"/>
             </a:endParaRPr>
           </a:p>
@@ -10486,6 +10685,21 @@
   <p:clrMapOvr>
     <a:masterClrMapping/>
   </p:clrMapOvr>
+  <mc:AlternateContent xmlns:mc="http://schemas.openxmlformats.org/markup-compatibility/2006">
+    <mc:Choice xmlns:p14="http://schemas.microsoft.com/office/powerpoint/2010/main" Requires="p14">
+      <p:transition p14:dur="0"/>
+    </mc:Choice>
+    <mc:Fallback>
+      <p:transition/>
+    </mc:Fallback>
+  </mc:AlternateContent>
+  <p:timing>
+    <p:tnLst>
+      <p:par>
+        <p:cTn id="1" dur="indefinite" restart="never" nodeType="tmRoot"/>
+      </p:par>
+    </p:tnLst>
+  </p:timing>
 </p:sld>
 </file>
 
@@ -10704,6 +10918,9 @@
                 <a:solidFill>
                   <a:schemeClr val="accent2"/>
                 </a:solidFill>
+                <a:latin typeface="Fira Code" panose="020B0809050000020004" pitchFamily="49" charset="0"/>
+                <a:ea typeface="Fira Code" panose="020B0809050000020004" pitchFamily="49" charset="0"/>
+                <a:cs typeface="Fira Code" panose="020B0809050000020004" pitchFamily="49" charset="0"/>
               </a:rPr>
               <a:t>}</a:t>
             </a:r>
@@ -10712,6 +10929,9 @@
                 <a:solidFill>
                   <a:schemeClr val="dk1"/>
                 </a:solidFill>
+                <a:latin typeface="Fira Code" panose="020B0809050000020004" pitchFamily="49" charset="0"/>
+                <a:ea typeface="Fira Code" panose="020B0809050000020004" pitchFamily="49" charset="0"/>
+                <a:cs typeface="Fira Code" panose="020B0809050000020004" pitchFamily="49" charset="0"/>
               </a:rPr>
               <a:t> /&gt; </a:t>
             </a:r>
@@ -10720,6 +10940,9 @@
                 <a:solidFill>
                   <a:schemeClr val="accent1"/>
                 </a:solidFill>
+                <a:latin typeface="Fira Code" panose="020B0809050000020004" pitchFamily="49" charset="0"/>
+                <a:ea typeface="Fira Code" panose="020B0809050000020004" pitchFamily="49" charset="0"/>
+                <a:cs typeface="Fira Code" panose="020B0809050000020004" pitchFamily="49" charset="0"/>
               </a:rPr>
               <a:t>[</a:t>
             </a:r>
@@ -10727,6 +10950,9 @@
               <a:solidFill>
                 <a:schemeClr val="accent1"/>
               </a:solidFill>
+              <a:latin typeface="Fira Code" panose="020B0809050000020004" pitchFamily="49" charset="0"/>
+              <a:ea typeface="Fira Code" panose="020B0809050000020004" pitchFamily="49" charset="0"/>
+              <a:cs typeface="Fira Code" panose="020B0809050000020004" pitchFamily="49" charset="0"/>
             </a:endParaRPr>
           </a:p>
         </p:txBody>
@@ -10773,6 +10999,9 @@
                 <a:solidFill>
                   <a:schemeClr val="accent2"/>
                 </a:solidFill>
+                <a:latin typeface="Fira Code" panose="020B0809050000020004" pitchFamily="49" charset="0"/>
+                <a:ea typeface="Fira Code" panose="020B0809050000020004" pitchFamily="49" charset="0"/>
+                <a:cs typeface="Fira Code" panose="020B0809050000020004" pitchFamily="49" charset="0"/>
               </a:rPr>
               <a:t>/&gt;</a:t>
             </a:r>
@@ -10781,6 +11010,9 @@
                 <a:solidFill>
                   <a:schemeClr val="dk1"/>
                 </a:solidFill>
+                <a:latin typeface="Fira Code" panose="020B0809050000020004" pitchFamily="49" charset="0"/>
+                <a:ea typeface="Fira Code" panose="020B0809050000020004" pitchFamily="49" charset="0"/>
+                <a:cs typeface="Fira Code" panose="020B0809050000020004" pitchFamily="49" charset="0"/>
               </a:rPr>
               <a:t> **</a:t>
             </a:r>
@@ -10788,6 +11020,9 @@
               <a:solidFill>
                 <a:schemeClr val="accent1"/>
               </a:solidFill>
+              <a:latin typeface="Fira Code" panose="020B0809050000020004" pitchFamily="49" charset="0"/>
+              <a:ea typeface="Fira Code" panose="020B0809050000020004" pitchFamily="49" charset="0"/>
+              <a:cs typeface="Fira Code" panose="020B0809050000020004" pitchFamily="49" charset="0"/>
             </a:endParaRPr>
           </a:p>
         </p:txBody>
@@ -10819,6 +11054,8 @@
                   <a:schemeClr val="tx1"/>
                 </a:solidFill>
                 <a:latin typeface="+mn-lt"/>
+                <a:ea typeface="Fira Code" panose="020B0809050000020004" pitchFamily="49" charset="0"/>
+                <a:cs typeface="Fira Code" panose="020B0809050000020004" pitchFamily="49" charset="0"/>
               </a:rPr>
               <a:t>Среди дополнительных задач были</a:t>
             </a:r>
@@ -10828,6 +11065,8 @@
                   <a:schemeClr val="tx1"/>
                 </a:solidFill>
                 <a:latin typeface="+mn-lt"/>
+                <a:ea typeface="Fira Code" panose="020B0809050000020004" pitchFamily="49" charset="0"/>
+                <a:cs typeface="Fira Code" panose="020B0809050000020004" pitchFamily="49" charset="0"/>
               </a:rPr>
               <a:t>: </a:t>
             </a:r>
@@ -10837,6 +11076,8 @@
                   <a:schemeClr val="tx1"/>
                 </a:solidFill>
                 <a:latin typeface="+mn-lt"/>
+                <a:ea typeface="Fira Code" panose="020B0809050000020004" pitchFamily="49" charset="0"/>
+                <a:cs typeface="Fira Code" panose="020B0809050000020004" pitchFamily="49" charset="0"/>
               </a:rPr>
               <a:t>возможность выбора языка интерфейса (между русским и английским) и работа приложения на разных операционных системах (</a:t>
             </a:r>
@@ -10846,6 +11087,8 @@
                   <a:schemeClr val="tx1"/>
                 </a:solidFill>
                 <a:latin typeface="+mn-lt"/>
+                <a:ea typeface="Fira Code" panose="020B0809050000020004" pitchFamily="49" charset="0"/>
+                <a:cs typeface="Fira Code" panose="020B0809050000020004" pitchFamily="49" charset="0"/>
               </a:rPr>
               <a:t>Windows, Linux, MacOS)</a:t>
             </a:r>
@@ -10879,6 +11122,8 @@
                   <a:schemeClr val="tx1"/>
                 </a:solidFill>
                 <a:latin typeface="+mj-lt"/>
+                <a:ea typeface="Fira Code" panose="020B0809050000020004" pitchFamily="49" charset="0"/>
+                <a:cs typeface="Fira Code" panose="020B0809050000020004" pitchFamily="49" charset="0"/>
               </a:rPr>
               <a:t>Дополнительные</a:t>
             </a:r>
@@ -10888,11 +11133,15 @@
                   <a:srgbClr val="D1D5DB"/>
                 </a:solidFill>
                 <a:latin typeface="+mj-lt"/>
+                <a:ea typeface="Fira Code" panose="020B0809050000020004" pitchFamily="49" charset="0"/>
+                <a:cs typeface="Fira Code" panose="020B0809050000020004" pitchFamily="49" charset="0"/>
               </a:rPr>
               <a:t> цели</a:t>
             </a:r>
             <a:endParaRPr lang="ru-RU" sz="2400" dirty="0">
               <a:latin typeface="+mj-lt"/>
+              <a:ea typeface="Fira Code" panose="020B0809050000020004" pitchFamily="49" charset="0"/>
+              <a:cs typeface="Fira Code" panose="020B0809050000020004" pitchFamily="49" charset="0"/>
             </a:endParaRPr>
           </a:p>
         </p:txBody>
@@ -10902,6 +11151,21 @@
   <p:clrMapOvr>
     <a:masterClrMapping/>
   </p:clrMapOvr>
+  <mc:AlternateContent xmlns:mc="http://schemas.openxmlformats.org/markup-compatibility/2006">
+    <mc:Choice xmlns:p14="http://schemas.microsoft.com/office/powerpoint/2010/main" Requires="p14">
+      <p:transition p14:dur="0"/>
+    </mc:Choice>
+    <mc:Fallback>
+      <p:transition/>
+    </mc:Fallback>
+  </mc:AlternateContent>
+  <p:timing>
+    <p:tnLst>
+      <p:par>
+        <p:cTn id="1" dur="indefinite" restart="never" nodeType="tmRoot"/>
+      </p:par>
+    </p:tnLst>
+  </p:timing>
 </p:sld>
 </file>
 
@@ -11506,13 +11770,7 @@
               <a:rPr lang="ru-RU" dirty="0" smtClean="0">
                 <a:latin typeface="+mn-lt"/>
               </a:rPr>
-              <a:t>приложение </a:t>
-            </a:r>
-            <a:r>
-              <a:rPr lang="ru-RU" dirty="0" smtClean="0">
-                <a:latin typeface="+mn-lt"/>
-              </a:rPr>
-              <a:t>и все необходимые ему библиотеки. Я выбрал </a:t>
+              <a:t>приложение и все необходимые ему библиотеки. Я выбрал </a:t>
             </a:r>
             <a:r>
               <a:rPr lang="en-US" dirty="0" err="1" smtClean="0">
@@ -11615,6 +11873,9 @@
               <a:solidFill>
                 <a:schemeClr val="dk1"/>
               </a:solidFill>
+              <a:latin typeface="Fira Code" panose="020B0809050000020004" pitchFamily="49" charset="0"/>
+              <a:ea typeface="Fira Code" panose="020B0809050000020004" pitchFamily="49" charset="0"/>
+              <a:cs typeface="Fira Code" panose="020B0809050000020004" pitchFamily="49" charset="0"/>
             </a:endParaRPr>
           </a:p>
         </p:txBody>
@@ -11624,6 +11885,13 @@
   <p:clrMapOvr>
     <a:masterClrMapping/>
   </p:clrMapOvr>
+  <p:timing>
+    <p:tnLst>
+      <p:par>
+        <p:cTn id="1" dur="indefinite" restart="never" nodeType="tmRoot"/>
+      </p:par>
+    </p:tnLst>
+  </p:timing>
 </p:sld>
 </file>
 
@@ -12505,7 +12773,11 @@
                 </a:spcAft>
                 <a:buNone/>
               </a:pPr>
-              <a:endParaRPr/>
+              <a:endParaRPr dirty="0">
+                <a:latin typeface="Fira Code" panose="020B0809050000020004" pitchFamily="49" charset="0"/>
+                <a:ea typeface="Fira Code" panose="020B0809050000020004" pitchFamily="49" charset="0"/>
+                <a:cs typeface="Fira Code" panose="020B0809050000020004" pitchFamily="49" charset="0"/>
+              </a:endParaRPr>
             </a:p>
           </p:txBody>
         </p:sp>
@@ -12615,7 +12887,11 @@
                 </a:spcAft>
                 <a:buNone/>
               </a:pPr>
-              <a:endParaRPr/>
+              <a:endParaRPr dirty="0">
+                <a:latin typeface="Fira Code" panose="020B0809050000020004" pitchFamily="49" charset="0"/>
+                <a:ea typeface="Fira Code" panose="020B0809050000020004" pitchFamily="49" charset="0"/>
+                <a:cs typeface="Fira Code" panose="020B0809050000020004" pitchFamily="49" charset="0"/>
+              </a:endParaRPr>
             </a:p>
           </p:txBody>
         </p:sp>
@@ -12725,7 +13001,11 @@
                 </a:spcAft>
                 <a:buNone/>
               </a:pPr>
-              <a:endParaRPr/>
+              <a:endParaRPr dirty="0">
+                <a:latin typeface="Fira Code" panose="020B0809050000020004" pitchFamily="49" charset="0"/>
+                <a:ea typeface="Fira Code" panose="020B0809050000020004" pitchFamily="49" charset="0"/>
+                <a:cs typeface="Fira Code" panose="020B0809050000020004" pitchFamily="49" charset="0"/>
+              </a:endParaRPr>
             </a:p>
           </p:txBody>
         </p:sp>
@@ -13321,7 +13601,11 @@
                 </a:spcAft>
                 <a:buNone/>
               </a:pPr>
-              <a:endParaRPr/>
+              <a:endParaRPr dirty="0">
+                <a:latin typeface="Fira Code" panose="020B0809050000020004" pitchFamily="49" charset="0"/>
+                <a:ea typeface="Fira Code" panose="020B0809050000020004" pitchFamily="49" charset="0"/>
+                <a:cs typeface="Fira Code" panose="020B0809050000020004" pitchFamily="49" charset="0"/>
+              </a:endParaRPr>
             </a:p>
           </p:txBody>
         </p:sp>
@@ -13436,7 +13720,11 @@
                 </a:spcAft>
                 <a:buNone/>
               </a:pPr>
-              <a:endParaRPr/>
+              <a:endParaRPr dirty="0">
+                <a:latin typeface="Fira Code" panose="020B0809050000020004" pitchFamily="49" charset="0"/>
+                <a:ea typeface="Fira Code" panose="020B0809050000020004" pitchFamily="49" charset="0"/>
+                <a:cs typeface="Fira Code" panose="020B0809050000020004" pitchFamily="49" charset="0"/>
+              </a:endParaRPr>
             </a:p>
           </p:txBody>
         </p:sp>
@@ -13530,7 +13818,11 @@
                 </a:spcAft>
                 <a:buNone/>
               </a:pPr>
-              <a:endParaRPr/>
+              <a:endParaRPr dirty="0">
+                <a:latin typeface="Fira Code" panose="020B0809050000020004" pitchFamily="49" charset="0"/>
+                <a:ea typeface="Fira Code" panose="020B0809050000020004" pitchFamily="49" charset="0"/>
+                <a:cs typeface="Fira Code" panose="020B0809050000020004" pitchFamily="49" charset="0"/>
+              </a:endParaRPr>
             </a:p>
           </p:txBody>
         </p:sp>
@@ -14149,7 +14441,11 @@
                 </a:spcAft>
                 <a:buNone/>
               </a:pPr>
-              <a:endParaRPr/>
+              <a:endParaRPr dirty="0">
+                <a:latin typeface="Fira Code" panose="020B0809050000020004" pitchFamily="49" charset="0"/>
+                <a:ea typeface="Fira Code" panose="020B0809050000020004" pitchFamily="49" charset="0"/>
+                <a:cs typeface="Fira Code" panose="020B0809050000020004" pitchFamily="49" charset="0"/>
+              </a:endParaRPr>
             </a:p>
           </p:txBody>
         </p:sp>
@@ -14241,7 +14537,11 @@
                 </a:spcAft>
                 <a:buNone/>
               </a:pPr>
-              <a:endParaRPr/>
+              <a:endParaRPr dirty="0">
+                <a:latin typeface="Fira Code" panose="020B0809050000020004" pitchFamily="49" charset="0"/>
+                <a:ea typeface="Fira Code" panose="020B0809050000020004" pitchFamily="49" charset="0"/>
+                <a:cs typeface="Fira Code" panose="020B0809050000020004" pitchFamily="49" charset="0"/>
+              </a:endParaRPr>
             </a:p>
           </p:txBody>
         </p:sp>
@@ -14333,7 +14633,11 @@
                 </a:spcAft>
                 <a:buNone/>
               </a:pPr>
-              <a:endParaRPr/>
+              <a:endParaRPr dirty="0">
+                <a:latin typeface="Fira Code" panose="020B0809050000020004" pitchFamily="49" charset="0"/>
+                <a:ea typeface="Fira Code" panose="020B0809050000020004" pitchFamily="49" charset="0"/>
+                <a:cs typeface="Fira Code" panose="020B0809050000020004" pitchFamily="49" charset="0"/>
+              </a:endParaRPr>
             </a:p>
           </p:txBody>
         </p:sp>
@@ -14425,7 +14729,11 @@
                 </a:spcAft>
                 <a:buNone/>
               </a:pPr>
-              <a:endParaRPr/>
+              <a:endParaRPr dirty="0">
+                <a:latin typeface="Fira Code" panose="020B0809050000020004" pitchFamily="49" charset="0"/>
+                <a:ea typeface="Fira Code" panose="020B0809050000020004" pitchFamily="49" charset="0"/>
+                <a:cs typeface="Fira Code" panose="020B0809050000020004" pitchFamily="49" charset="0"/>
+              </a:endParaRPr>
             </a:p>
           </p:txBody>
         </p:sp>
@@ -14517,7 +14825,11 @@
                 </a:spcAft>
                 <a:buNone/>
               </a:pPr>
-              <a:endParaRPr/>
+              <a:endParaRPr dirty="0">
+                <a:latin typeface="Fira Code" panose="020B0809050000020004" pitchFamily="49" charset="0"/>
+                <a:ea typeface="Fira Code" panose="020B0809050000020004" pitchFamily="49" charset="0"/>
+                <a:cs typeface="Fira Code" panose="020B0809050000020004" pitchFamily="49" charset="0"/>
+              </a:endParaRPr>
             </a:p>
           </p:txBody>
         </p:sp>
@@ -14590,7 +14902,11 @@
                 </a:spcAft>
                 <a:buNone/>
               </a:pPr>
-              <a:endParaRPr/>
+              <a:endParaRPr dirty="0">
+                <a:latin typeface="Fira Code" panose="020B0809050000020004" pitchFamily="49" charset="0"/>
+                <a:ea typeface="Fira Code" panose="020B0809050000020004" pitchFamily="49" charset="0"/>
+                <a:cs typeface="Fira Code" panose="020B0809050000020004" pitchFamily="49" charset="0"/>
+              </a:endParaRPr>
             </a:p>
           </p:txBody>
         </p:sp>
@@ -14663,7 +14979,11 @@
                 </a:spcAft>
                 <a:buNone/>
               </a:pPr>
-              <a:endParaRPr/>
+              <a:endParaRPr dirty="0">
+                <a:latin typeface="Fira Code" panose="020B0809050000020004" pitchFamily="49" charset="0"/>
+                <a:ea typeface="Fira Code" panose="020B0809050000020004" pitchFamily="49" charset="0"/>
+                <a:cs typeface="Fira Code" panose="020B0809050000020004" pitchFamily="49" charset="0"/>
+              </a:endParaRPr>
             </a:p>
           </p:txBody>
         </p:sp>
@@ -14736,7 +15056,11 @@
                 </a:spcAft>
                 <a:buNone/>
               </a:pPr>
-              <a:endParaRPr/>
+              <a:endParaRPr dirty="0">
+                <a:latin typeface="Fira Code" panose="020B0809050000020004" pitchFamily="49" charset="0"/>
+                <a:ea typeface="Fira Code" panose="020B0809050000020004" pitchFamily="49" charset="0"/>
+                <a:cs typeface="Fira Code" panose="020B0809050000020004" pitchFamily="49" charset="0"/>
+              </a:endParaRPr>
             </a:p>
           </p:txBody>
         </p:sp>
@@ -14809,7 +15133,11 @@
                 </a:spcAft>
                 <a:buNone/>
               </a:pPr>
-              <a:endParaRPr/>
+              <a:endParaRPr dirty="0">
+                <a:latin typeface="Fira Code" panose="020B0809050000020004" pitchFamily="49" charset="0"/>
+                <a:ea typeface="Fira Code" panose="020B0809050000020004" pitchFamily="49" charset="0"/>
+                <a:cs typeface="Fira Code" panose="020B0809050000020004" pitchFamily="49" charset="0"/>
+              </a:endParaRPr>
             </a:p>
           </p:txBody>
         </p:sp>
@@ -15097,7 +15425,11 @@
                 </a:spcAft>
                 <a:buNone/>
               </a:pPr>
-              <a:endParaRPr/>
+              <a:endParaRPr dirty="0">
+                <a:latin typeface="Fira Code" panose="020B0809050000020004" pitchFamily="49" charset="0"/>
+                <a:ea typeface="Fira Code" panose="020B0809050000020004" pitchFamily="49" charset="0"/>
+                <a:cs typeface="Fira Code" panose="020B0809050000020004" pitchFamily="49" charset="0"/>
+              </a:endParaRPr>
             </a:p>
           </p:txBody>
         </p:sp>
@@ -15234,7 +15566,11 @@
                 </a:spcAft>
                 <a:buNone/>
               </a:pPr>
-              <a:endParaRPr/>
+              <a:endParaRPr dirty="0">
+                <a:latin typeface="Fira Code" panose="020B0809050000020004" pitchFamily="49" charset="0"/>
+                <a:ea typeface="Fira Code" panose="020B0809050000020004" pitchFamily="49" charset="0"/>
+                <a:cs typeface="Fira Code" panose="020B0809050000020004" pitchFamily="49" charset="0"/>
+              </a:endParaRPr>
             </a:p>
           </p:txBody>
         </p:sp>
@@ -15664,7 +16000,11 @@
                 </a:spcAft>
                 <a:buNone/>
               </a:pPr>
-              <a:endParaRPr/>
+              <a:endParaRPr dirty="0">
+                <a:latin typeface="Fira Code" panose="020B0809050000020004" pitchFamily="49" charset="0"/>
+                <a:ea typeface="Fira Code" panose="020B0809050000020004" pitchFamily="49" charset="0"/>
+                <a:cs typeface="Fira Code" panose="020B0809050000020004" pitchFamily="49" charset="0"/>
+              </a:endParaRPr>
             </a:p>
           </p:txBody>
         </p:sp>
@@ -15785,7 +16125,11 @@
                 </a:spcAft>
                 <a:buNone/>
               </a:pPr>
-              <a:endParaRPr/>
+              <a:endParaRPr dirty="0">
+                <a:latin typeface="Fira Code" panose="020B0809050000020004" pitchFamily="49" charset="0"/>
+                <a:ea typeface="Fira Code" panose="020B0809050000020004" pitchFamily="49" charset="0"/>
+                <a:cs typeface="Fira Code" panose="020B0809050000020004" pitchFamily="49" charset="0"/>
+              </a:endParaRPr>
             </a:p>
           </p:txBody>
         </p:sp>
@@ -16022,7 +16366,11 @@
                 </a:spcAft>
                 <a:buNone/>
               </a:pPr>
-              <a:endParaRPr/>
+              <a:endParaRPr dirty="0">
+                <a:latin typeface="Fira Code" panose="020B0809050000020004" pitchFamily="49" charset="0"/>
+                <a:ea typeface="Fira Code" panose="020B0809050000020004" pitchFamily="49" charset="0"/>
+                <a:cs typeface="Fira Code" panose="020B0809050000020004" pitchFamily="49" charset="0"/>
+              </a:endParaRPr>
             </a:p>
           </p:txBody>
         </p:sp>
@@ -16701,7 +17049,11 @@
               </a:spcAft>
               <a:buNone/>
             </a:pPr>
-            <a:endParaRPr/>
+            <a:endParaRPr dirty="0">
+              <a:latin typeface="Fira Code" panose="020B0809050000020004" pitchFamily="49" charset="0"/>
+              <a:ea typeface="Fira Code" panose="020B0809050000020004" pitchFamily="49" charset="0"/>
+              <a:cs typeface="Fira Code" panose="020B0809050000020004" pitchFamily="49" charset="0"/>
+            </a:endParaRPr>
           </a:p>
         </p:txBody>
       </p:sp>
@@ -16808,7 +17160,11 @@
                 </a:spcAft>
                 <a:buNone/>
               </a:pPr>
-              <a:endParaRPr/>
+              <a:endParaRPr dirty="0">
+                <a:latin typeface="Fira Code" panose="020B0809050000020004" pitchFamily="49" charset="0"/>
+                <a:ea typeface="Fira Code" panose="020B0809050000020004" pitchFamily="49" charset="0"/>
+                <a:cs typeface="Fira Code" panose="020B0809050000020004" pitchFamily="49" charset="0"/>
+              </a:endParaRPr>
             </a:p>
           </p:txBody>
         </p:sp>
@@ -16908,7 +17264,11 @@
                 </a:spcAft>
                 <a:buNone/>
               </a:pPr>
-              <a:endParaRPr/>
+              <a:endParaRPr dirty="0">
+                <a:latin typeface="Fira Code" panose="020B0809050000020004" pitchFamily="49" charset="0"/>
+                <a:ea typeface="Fira Code" panose="020B0809050000020004" pitchFamily="49" charset="0"/>
+                <a:cs typeface="Fira Code" panose="020B0809050000020004" pitchFamily="49" charset="0"/>
+              </a:endParaRPr>
             </a:p>
           </p:txBody>
         </p:sp>
@@ -17042,7 +17402,11 @@
                 </a:spcAft>
                 <a:buNone/>
               </a:pPr>
-              <a:endParaRPr/>
+              <a:endParaRPr dirty="0">
+                <a:latin typeface="Fira Code" panose="020B0809050000020004" pitchFamily="49" charset="0"/>
+                <a:ea typeface="Fira Code" panose="020B0809050000020004" pitchFamily="49" charset="0"/>
+                <a:cs typeface="Fira Code" panose="020B0809050000020004" pitchFamily="49" charset="0"/>
+              </a:endParaRPr>
             </a:p>
           </p:txBody>
         </p:sp>
@@ -17192,7 +17556,11 @@
                 </a:spcAft>
                 <a:buNone/>
               </a:pPr>
-              <a:endParaRPr/>
+              <a:endParaRPr dirty="0">
+                <a:latin typeface="Fira Code" panose="020B0809050000020004" pitchFamily="49" charset="0"/>
+                <a:ea typeface="Fira Code" panose="020B0809050000020004" pitchFamily="49" charset="0"/>
+                <a:cs typeface="Fira Code" panose="020B0809050000020004" pitchFamily="49" charset="0"/>
+              </a:endParaRPr>
             </a:p>
           </p:txBody>
         </p:sp>
@@ -17292,7 +17660,11 @@
                 </a:spcAft>
                 <a:buNone/>
               </a:pPr>
-              <a:endParaRPr/>
+              <a:endParaRPr dirty="0">
+                <a:latin typeface="Fira Code" panose="020B0809050000020004" pitchFamily="49" charset="0"/>
+                <a:ea typeface="Fira Code" panose="020B0809050000020004" pitchFamily="49" charset="0"/>
+                <a:cs typeface="Fira Code" panose="020B0809050000020004" pitchFamily="49" charset="0"/>
+              </a:endParaRPr>
             </a:p>
           </p:txBody>
         </p:sp>
@@ -17362,7 +17734,11 @@
                 </a:spcAft>
                 <a:buNone/>
               </a:pPr>
-              <a:endParaRPr/>
+              <a:endParaRPr dirty="0">
+                <a:latin typeface="Fira Code" panose="020B0809050000020004" pitchFamily="49" charset="0"/>
+                <a:ea typeface="Fira Code" panose="020B0809050000020004" pitchFamily="49" charset="0"/>
+                <a:cs typeface="Fira Code" panose="020B0809050000020004" pitchFamily="49" charset="0"/>
+              </a:endParaRPr>
             </a:p>
           </p:txBody>
         </p:sp>
@@ -17372,6 +17748,13 @@
   <p:clrMapOvr>
     <a:masterClrMapping/>
   </p:clrMapOvr>
+  <p:timing>
+    <p:tnLst>
+      <p:par>
+        <p:cTn id="1" dur="indefinite" restart="never" nodeType="tmRoot"/>
+      </p:par>
+    </p:tnLst>
+  </p:timing>
 </p:sld>
 </file>
 
@@ -17448,7 +17831,11 @@
                 </a:spcAft>
                 <a:buNone/>
               </a:pPr>
-              <a:endParaRPr/>
+              <a:endParaRPr dirty="0">
+                <a:latin typeface="Fira Code" panose="020B0809050000020004" pitchFamily="49" charset="0"/>
+                <a:ea typeface="Fira Code" panose="020B0809050000020004" pitchFamily="49" charset="0"/>
+                <a:cs typeface="Fira Code" panose="020B0809050000020004" pitchFamily="49" charset="0"/>
+              </a:endParaRPr>
             </a:p>
           </p:txBody>
         </p:sp>
@@ -17494,7 +17881,11 @@
                 </a:spcAft>
                 <a:buNone/>
               </a:pPr>
-              <a:endParaRPr/>
+              <a:endParaRPr dirty="0">
+                <a:latin typeface="Fira Code" panose="020B0809050000020004" pitchFamily="49" charset="0"/>
+                <a:ea typeface="Fira Code" panose="020B0809050000020004" pitchFamily="49" charset="0"/>
+                <a:cs typeface="Fira Code" panose="020B0809050000020004" pitchFamily="49" charset="0"/>
+              </a:endParaRPr>
             </a:p>
           </p:txBody>
         </p:sp>
@@ -17538,6 +17929,7 @@
                 <a:solidFill>
                   <a:srgbClr val="23A5CD"/>
                 </a:solidFill>
+                <a:latin typeface="+mj-lt"/>
               </a:rPr>
               <a:t>&lt;/ </a:t>
             </a:r>
@@ -17546,6 +17938,7 @@
                 <a:solidFill>
                   <a:srgbClr val="23A5CD"/>
                 </a:solidFill>
+                <a:latin typeface="+mj-lt"/>
               </a:rPr>
               <a:t>Результат работы над проектом</a:t>
             </a:r>
@@ -17553,6 +17946,7 @@
               <a:solidFill>
                 <a:srgbClr val="23A5CD"/>
               </a:solidFill>
+              <a:latin typeface="+mj-lt"/>
             </a:endParaRPr>
           </a:p>
         </p:txBody>
@@ -17643,7 +18037,13 @@
               <a:rPr lang="ru-RU" dirty="0" smtClean="0">
                 <a:latin typeface="+mn-lt"/>
               </a:rPr>
-              <a:t>, который запустится на большинстве персональных компьютеров.</a:t>
+              <a:t>, который запустится на большинстве персональных </a:t>
+            </a:r>
+            <a:r>
+              <a:rPr lang="ru-RU" dirty="0" smtClean="0">
+                <a:latin typeface="+mn-lt"/>
+              </a:rPr>
+              <a:t>компьютеров.</a:t>
             </a:r>
             <a:endParaRPr dirty="0">
               <a:latin typeface="+mn-lt"/>
@@ -17847,40 +18247,6 @@
           </a:p>
         </p:txBody>
       </p:sp>
-      <p:pic>
-        <p:nvPicPr>
-          <p:cNvPr id="260" name="Google Shape;260;p30"/>
-          <p:cNvPicPr preferRelativeResize="0"/>
-          <p:nvPr/>
-        </p:nvPicPr>
-        <p:blipFill>
-          <a:blip r:embed="rId3">
-            <a:alphaModFix/>
-          </a:blip>
-          <a:stretch>
-            <a:fillRect/>
-          </a:stretch>
-        </p:blipFill>
-        <p:spPr>
-          <a:xfrm>
-            <a:off x="5040189" y="2199039"/>
-            <a:ext cx="3107651" cy="2071251"/>
-          </a:xfrm>
-          <a:prstGeom prst="rect">
-            <a:avLst/>
-          </a:prstGeom>
-          <a:noFill/>
-          <a:ln w="9525" cap="flat" cmpd="sng">
-            <a:solidFill>
-              <a:schemeClr val="dk1"/>
-            </a:solidFill>
-            <a:prstDash val="solid"/>
-            <a:round/>
-            <a:headEnd type="none" w="sm" len="sm"/>
-            <a:tailEnd type="none" w="sm" len="sm"/>
-          </a:ln>
-        </p:spPr>
-      </p:pic>
       <p:cxnSp>
         <p:nvCxnSpPr>
           <p:cNvPr id="4" name="Прямая соединительная линия 3"/>
@@ -17916,11 +18282,53 @@
           </a:fontRef>
         </p:style>
       </p:cxnSp>
+      <p:pic>
+        <p:nvPicPr>
+          <p:cNvPr id="3" name="Рисунок 2"/>
+          <p:cNvPicPr>
+            <a:picLocks noChangeAspect="1"/>
+          </p:cNvPicPr>
+          <p:nvPr/>
+        </p:nvPicPr>
+        <p:blipFill>
+          <a:blip r:embed="rId3">
+            <a:extLst>
+              <a:ext uri="{28A0092B-C50C-407E-A947-70E740481C1C}">
+                <a14:useLocalDpi xmlns:a14="http://schemas.microsoft.com/office/drawing/2010/main" val="0"/>
+              </a:ext>
+            </a:extLst>
+          </a:blip>
+          <a:stretch>
+            <a:fillRect/>
+          </a:stretch>
+        </p:blipFill>
+        <p:spPr>
+          <a:xfrm>
+            <a:off x="5217724" y="2204378"/>
+            <a:ext cx="2795114" cy="2096336"/>
+          </a:xfrm>
+          <a:prstGeom prst="rect">
+            <a:avLst/>
+          </a:prstGeom>
+        </p:spPr>
+      </p:pic>
     </p:spTree>
+    <p:extLst>
+      <p:ext uri="{BB962C8B-B14F-4D97-AF65-F5344CB8AC3E}">
+        <p14:creationId xmlns:p14="http://schemas.microsoft.com/office/powerpoint/2010/main" val="3627015969"/>
+      </p:ext>
+    </p:extLst>
   </p:cSld>
   <p:clrMapOvr>
     <a:masterClrMapping/>
   </p:clrMapOvr>
+  <p:timing>
+    <p:tnLst>
+      <p:par>
+        <p:cTn id="1" dur="indefinite" restart="never" nodeType="tmRoot"/>
+      </p:par>
+    </p:tnLst>
+  </p:timing>
 </p:sld>
 </file>
 
@@ -18005,7 +18413,11 @@
                 </a:spcAft>
                 <a:buNone/>
               </a:pPr>
-              <a:endParaRPr/>
+              <a:endParaRPr dirty="0">
+                <a:latin typeface="Fira Code" panose="020B0809050000020004" pitchFamily="49" charset="0"/>
+                <a:ea typeface="Fira Code" panose="020B0809050000020004" pitchFamily="49" charset="0"/>
+                <a:cs typeface="Fira Code" panose="020B0809050000020004" pitchFamily="49" charset="0"/>
+              </a:endParaRPr>
             </a:p>
           </p:txBody>
         </p:sp>
@@ -18051,7 +18463,11 @@
                 </a:spcAft>
                 <a:buNone/>
               </a:pPr>
-              <a:endParaRPr/>
+              <a:endParaRPr dirty="0">
+                <a:latin typeface="Fira Code" panose="020B0809050000020004" pitchFamily="49" charset="0"/>
+                <a:ea typeface="Fira Code" panose="020B0809050000020004" pitchFamily="49" charset="0"/>
+                <a:cs typeface="Fira Code" panose="020B0809050000020004" pitchFamily="49" charset="0"/>
+              </a:endParaRPr>
             </a:p>
           </p:txBody>
         </p:sp>
@@ -18112,7 +18528,11 @@
                 </a:spcAft>
                 <a:buNone/>
               </a:pPr>
-              <a:endParaRPr/>
+              <a:endParaRPr dirty="0">
+                <a:latin typeface="Fira Code" panose="020B0809050000020004" pitchFamily="49" charset="0"/>
+                <a:ea typeface="Fira Code" panose="020B0809050000020004" pitchFamily="49" charset="0"/>
+                <a:cs typeface="Fira Code" panose="020B0809050000020004" pitchFamily="49" charset="0"/>
+              </a:endParaRPr>
             </a:p>
           </p:txBody>
         </p:sp>
@@ -18158,7 +18578,11 @@
                 </a:spcAft>
                 <a:buNone/>
               </a:pPr>
-              <a:endParaRPr/>
+              <a:endParaRPr dirty="0">
+                <a:latin typeface="Fira Code" panose="020B0809050000020004" pitchFamily="49" charset="0"/>
+                <a:ea typeface="Fira Code" panose="020B0809050000020004" pitchFamily="49" charset="0"/>
+                <a:cs typeface="Fira Code" panose="020B0809050000020004" pitchFamily="49" charset="0"/>
+              </a:endParaRPr>
             </a:p>
           </p:txBody>
         </p:sp>
@@ -18219,7 +18643,11 @@
                 </a:spcAft>
                 <a:buNone/>
               </a:pPr>
-              <a:endParaRPr/>
+              <a:endParaRPr dirty="0">
+                <a:latin typeface="Fira Code" panose="020B0809050000020004" pitchFamily="49" charset="0"/>
+                <a:ea typeface="Fira Code" panose="020B0809050000020004" pitchFamily="49" charset="0"/>
+                <a:cs typeface="Fira Code" panose="020B0809050000020004" pitchFamily="49" charset="0"/>
+              </a:endParaRPr>
             </a:p>
           </p:txBody>
         </p:sp>
@@ -18265,7 +18693,11 @@
                 </a:spcAft>
                 <a:buNone/>
               </a:pPr>
-              <a:endParaRPr/>
+              <a:endParaRPr dirty="0">
+                <a:latin typeface="Fira Code" panose="020B0809050000020004" pitchFamily="49" charset="0"/>
+                <a:ea typeface="Fira Code" panose="020B0809050000020004" pitchFamily="49" charset="0"/>
+                <a:cs typeface="Fira Code" panose="020B0809050000020004" pitchFamily="49" charset="0"/>
+              </a:endParaRPr>
             </a:p>
           </p:txBody>
         </p:sp>
@@ -18323,6 +18755,9 @@
               <a:solidFill>
                 <a:schemeClr val="lt2"/>
               </a:solidFill>
+              <a:latin typeface="Fira Code" panose="020B0809050000020004" pitchFamily="49" charset="0"/>
+              <a:ea typeface="Fira Code" panose="020B0809050000020004" pitchFamily="49" charset="0"/>
+              <a:cs typeface="Fira Code" panose="020B0809050000020004" pitchFamily="49" charset="0"/>
             </a:endParaRPr>
           </a:p>
         </p:txBody>
@@ -18380,6 +18815,9 @@
               <a:solidFill>
                 <a:schemeClr val="dk1"/>
               </a:solidFill>
+              <a:latin typeface="Fira Code" panose="020B0809050000020004" pitchFamily="49" charset="0"/>
+              <a:ea typeface="Fira Code" panose="020B0809050000020004" pitchFamily="49" charset="0"/>
+              <a:cs typeface="Fira Code" panose="020B0809050000020004" pitchFamily="49" charset="0"/>
             </a:endParaRPr>
           </a:p>
         </p:txBody>
@@ -18422,33 +18860,45 @@
               <a:buNone/>
             </a:pPr>
             <a:r>
-              <a:rPr lang="en" sz="3600">
+              <a:rPr lang="en" sz="3600" dirty="0">
                 <a:solidFill>
                   <a:schemeClr val="accent2"/>
                 </a:solidFill>
+                <a:latin typeface="Fira Code" panose="020B0809050000020004" pitchFamily="49" charset="0"/>
+                <a:ea typeface="Fira Code" panose="020B0809050000020004" pitchFamily="49" charset="0"/>
+                <a:cs typeface="Fira Code" panose="020B0809050000020004" pitchFamily="49" charset="0"/>
               </a:rPr>
               <a:t>}</a:t>
             </a:r>
             <a:r>
-              <a:rPr lang="en" sz="3600">
+              <a:rPr lang="en" sz="3600" dirty="0">
                 <a:solidFill>
                   <a:schemeClr val="dk1"/>
                 </a:solidFill>
+                <a:latin typeface="Fira Code" panose="020B0809050000020004" pitchFamily="49" charset="0"/>
+                <a:ea typeface="Fira Code" panose="020B0809050000020004" pitchFamily="49" charset="0"/>
+                <a:cs typeface="Fira Code" panose="020B0809050000020004" pitchFamily="49" charset="0"/>
               </a:rPr>
               <a:t> /&gt; </a:t>
             </a:r>
             <a:r>
-              <a:rPr lang="en" sz="3600">
+              <a:rPr lang="en" sz="3600" dirty="0">
                 <a:solidFill>
                   <a:schemeClr val="accent1"/>
                 </a:solidFill>
+                <a:latin typeface="Fira Code" panose="020B0809050000020004" pitchFamily="49" charset="0"/>
+                <a:ea typeface="Fira Code" panose="020B0809050000020004" pitchFamily="49" charset="0"/>
+                <a:cs typeface="Fira Code" panose="020B0809050000020004" pitchFamily="49" charset="0"/>
               </a:rPr>
               <a:t>[</a:t>
             </a:r>
-            <a:endParaRPr sz="3600">
+            <a:endParaRPr sz="3600" dirty="0">
               <a:solidFill>
                 <a:schemeClr val="accent1"/>
               </a:solidFill>
+              <a:latin typeface="Fira Code" panose="020B0809050000020004" pitchFamily="49" charset="0"/>
+              <a:ea typeface="Fira Code" panose="020B0809050000020004" pitchFamily="49" charset="0"/>
+              <a:cs typeface="Fira Code" panose="020B0809050000020004" pitchFamily="49" charset="0"/>
             </a:endParaRPr>
           </a:p>
         </p:txBody>
@@ -18640,9 +19090,9 @@
                 <a:solidFill>
                   <a:schemeClr val="dk1"/>
                 </a:solidFill>
-                <a:latin typeface="Source Code Pro"/>
-                <a:ea typeface="Source Code Pro"/>
-                <a:cs typeface="Source Code Pro"/>
+                <a:latin typeface="Fira Code" panose="020B0809050000020004" pitchFamily="49" charset="0"/>
+                <a:ea typeface="Fira Code" panose="020B0809050000020004" pitchFamily="49" charset="0"/>
+                <a:cs typeface="Fira Code" panose="020B0809050000020004" pitchFamily="49" charset="0"/>
                 <a:sym typeface="Source Code Pro"/>
               </a:rPr>
               <a:t>BMI Calculator</a:t>
@@ -18651,9 +19101,9 @@
               <a:solidFill>
                 <a:schemeClr val="dk1"/>
               </a:solidFill>
-              <a:latin typeface="Source Code Pro"/>
-              <a:ea typeface="Source Code Pro"/>
-              <a:cs typeface="Source Code Pro"/>
+              <a:latin typeface="Fira Code" panose="020B0809050000020004" pitchFamily="49" charset="0"/>
+              <a:ea typeface="Fira Code" panose="020B0809050000020004" pitchFamily="49" charset="0"/>
+              <a:cs typeface="Fira Code" panose="020B0809050000020004" pitchFamily="49" charset="0"/>
               <a:sym typeface="Source Code Pro"/>
             </a:endParaRPr>
           </a:p>
@@ -18698,9 +19148,9 @@
                 <a:solidFill>
                   <a:schemeClr val="dk1"/>
                 </a:solidFill>
-                <a:latin typeface="Source Code Pro"/>
-                <a:ea typeface="Source Code Pro"/>
-                <a:cs typeface="Source Code Pro"/>
+                <a:latin typeface="Fira Code" panose="020B0809050000020004" pitchFamily="49" charset="0"/>
+                <a:ea typeface="Fira Code" panose="020B0809050000020004" pitchFamily="49" charset="0"/>
+                <a:cs typeface="Fira Code" panose="020B0809050000020004" pitchFamily="49" charset="0"/>
                 <a:sym typeface="Source Code Pro"/>
               </a:rPr>
               <a:t>20</a:t>
@@ -18710,9 +19160,9 @@
                 <a:solidFill>
                   <a:schemeClr val="dk1"/>
                 </a:solidFill>
-                <a:latin typeface="Source Code Pro"/>
-                <a:ea typeface="Source Code Pro"/>
-                <a:cs typeface="Source Code Pro"/>
+                <a:latin typeface="Fira Code" panose="020B0809050000020004" pitchFamily="49" charset="0"/>
+                <a:ea typeface="Fira Code" panose="020B0809050000020004" pitchFamily="49" charset="0"/>
+                <a:cs typeface="Fira Code" panose="020B0809050000020004" pitchFamily="49" charset="0"/>
                 <a:sym typeface="Source Code Pro"/>
               </a:rPr>
               <a:t>х</a:t>
@@ -18722,9 +19172,9 @@
                 <a:solidFill>
                   <a:schemeClr val="dk1"/>
                 </a:solidFill>
-                <a:latin typeface="Source Code Pro"/>
-                <a:ea typeface="Source Code Pro"/>
-                <a:cs typeface="Source Code Pro"/>
+                <a:latin typeface="Fira Code" panose="020B0809050000020004" pitchFamily="49" charset="0"/>
+                <a:ea typeface="Fira Code" panose="020B0809050000020004" pitchFamily="49" charset="0"/>
+                <a:cs typeface="Fira Code" panose="020B0809050000020004" pitchFamily="49" charset="0"/>
                 <a:sym typeface="Source Code Pro"/>
               </a:rPr>
               <a:t>x</a:t>
@@ -18733,9 +19183,9 @@
               <a:solidFill>
                 <a:schemeClr val="dk1"/>
               </a:solidFill>
-              <a:latin typeface="Source Code Pro"/>
-              <a:ea typeface="Source Code Pro"/>
-              <a:cs typeface="Source Code Pro"/>
+              <a:latin typeface="Fira Code" panose="020B0809050000020004" pitchFamily="49" charset="0"/>
+              <a:ea typeface="Fira Code" panose="020B0809050000020004" pitchFamily="49" charset="0"/>
+              <a:cs typeface="Fira Code" panose="020B0809050000020004" pitchFamily="49" charset="0"/>
               <a:sym typeface="Source Code Pro"/>
             </a:endParaRPr>
           </a:p>
@@ -18751,6 +19201,13 @@
   <p:clrMapOvr>
     <a:masterClrMapping/>
   </p:clrMapOvr>
+  <p:timing>
+    <p:tnLst>
+      <p:par>
+        <p:cTn id="1" dur="indefinite" restart="never" nodeType="tmRoot"/>
+      </p:par>
+    </p:tnLst>
+  </p:timing>
 </p:sld>
 </file>
 
